--- a/Modul3/FY16Q2 Azure Kosten & Sicherheit (Hybrid IT 2015).pptx
+++ b/Modul3/FY16Q2 Azure Kosten & Sicherheit (Hybrid IT 2015).pptx
@@ -5,10 +5,10 @@
     <p:sldMasterId id="2147483746" r:id="rId6"/>
   </p:sldMasterIdLst>
   <p:notesMasterIdLst>
-    <p:notesMasterId r:id="rId16"/>
+    <p:notesMasterId r:id="rId17"/>
   </p:notesMasterIdLst>
   <p:handoutMasterIdLst>
-    <p:handoutMasterId r:id="rId17"/>
+    <p:handoutMasterId r:id="rId18"/>
   </p:handoutMasterIdLst>
   <p:sldIdLst>
     <p:sldId id="409" r:id="rId7"/>
@@ -19,7 +19,8 @@
     <p:sldId id="540" r:id="rId12"/>
     <p:sldId id="541" r:id="rId13"/>
     <p:sldId id="542" r:id="rId14"/>
-    <p:sldId id="527" r:id="rId15"/>
+    <p:sldId id="543" r:id="rId15"/>
+    <p:sldId id="527" r:id="rId16"/>
   </p:sldIdLst>
   <p:sldSz cx="12436475" cy="6994525"/>
   <p:notesSz cx="6858000" cy="9144000"/>
@@ -135,6 +136,7 @@
             <p14:sldId id="540"/>
             <p14:sldId id="541"/>
             <p14:sldId id="542"/>
+            <p14:sldId id="543"/>
           </p14:sldIdLst>
         </p14:section>
         <p14:section name="Outro" id="{E8BBA2FB-63B4-4B05-9595-8BFF66D9584D}">
@@ -271,7 +273,7 @@
           <a:p>
             <a:fld id="{53E720BF-5BAB-4715-8B3B-2856BF90270A}" type="datetimeFigureOut">
               <a:rPr lang="de-DE" smtClean="0"/>
-              <a:t>20.10.2015</a:t>
+              <a:t>10.11.2015</a:t>
             </a:fld>
             <a:endParaRPr lang="de-DE"/>
           </a:p>
@@ -436,7 +438,7 @@
           <a:p>
             <a:fld id="{9D9CDDDB-B493-4813-BA5B-F25DD0BAB6F6}" type="datetimeFigureOut">
               <a:rPr lang="en-US" smtClean="0"/>
-              <a:t>10/20/2015</a:t>
+              <a:t>11/10/2015</a:t>
             </a:fld>
             <a:endParaRPr lang="en-US"/>
           </a:p>
@@ -995,7 +997,7 @@
                 <a:latin typeface="Calibri" charset="0"/>
               </a:rPr>
               <a:pPr eaLnBrk="1" hangingPunct="1"/>
-              <a:t>10/20/2015</a:t>
+              <a:t>11/10/2015</a:t>
             </a:fld>
             <a:endParaRPr lang="en-US" sz="1200">
               <a:solidFill>
@@ -1343,15 +1345,7 @@
           <a:p>
             <a:r>
               <a:rPr lang="de-DE" dirty="0" smtClean="0"/>
-              <a:t>http</a:t>
-            </a:r>
-            <a:r>
-              <a:rPr lang="de-DE" dirty="0" smtClean="0"/>
-              <a:t>://</a:t>
-            </a:r>
-            <a:r>
-              <a:rPr lang="de-DE" dirty="0" smtClean="0"/>
-              <a:t>azure.microsoft.com/de-de/offers/ms-azr-0063p</a:t>
+              <a:t>http://azure.microsoft.com/de-de/offers/ms-azr-0063p</a:t>
             </a:r>
           </a:p>
           <a:p>
@@ -1496,11 +1490,7 @@
             </a:r>
             <a:r>
               <a:rPr lang="de-DE" baseline="0" dirty="0" smtClean="0"/>
-              <a:t> </a:t>
-            </a:r>
-            <a:r>
-              <a:rPr lang="de-DE" baseline="0" dirty="0" smtClean="0"/>
-              <a:t>= Pay-</a:t>
+              <a:t> = Pay-</a:t>
             </a:r>
             <a:r>
               <a:rPr lang="de-DE" baseline="0" dirty="0" err="1" smtClean="0"/>
@@ -1516,11 +1506,7 @@
             </a:r>
             <a:r>
               <a:rPr lang="de-DE" baseline="0" dirty="0" smtClean="0"/>
-              <a:t>, </a:t>
-            </a:r>
-            <a:r>
-              <a:rPr lang="de-DE" baseline="0" dirty="0" smtClean="0"/>
-              <a:t>Verbrauchstarif</a:t>
+              <a:t>, Verbrauchstarif</a:t>
             </a:r>
           </a:p>
           <a:p>
@@ -1855,11 +1841,7 @@
             </a:r>
             <a:r>
               <a:rPr lang="de-DE" baseline="0" dirty="0" smtClean="0"/>
-              <a:t> </a:t>
-            </a:r>
-            <a:r>
-              <a:rPr lang="de-DE" baseline="0" dirty="0" smtClean="0"/>
-              <a:t>= Pay-</a:t>
+              <a:t> = Pay-</a:t>
             </a:r>
             <a:r>
               <a:rPr lang="de-DE" baseline="0" dirty="0" err="1" smtClean="0"/>
@@ -2058,7 +2040,7 @@
                   <a:prstClr val="black"/>
                 </a:solidFill>
               </a:rPr>
-              <a:t>10/20/2015 2:58 PM</a:t>
+              <a:t>11/10/2015 11:30 PM</a:t>
             </a:fld>
             <a:endParaRPr lang="en-US" dirty="0">
               <a:solidFill>
@@ -2090,7 +2072,7 @@
                 </a:solidFill>
               </a:rPr>
               <a:pPr/>
-              <a:t>9</a:t>
+              <a:t>10</a:t>
             </a:fld>
             <a:endParaRPr lang="en-US" dirty="0">
               <a:solidFill>
@@ -5331,6 +5313,55 @@
   <p:transition>
     <p:fade/>
   </p:transition>
+  <p:timing>
+    <p:tnLst>
+      <p:par>
+        <p:cTn id="1" dur="indefinite" restart="never" nodeType="tmRoot"/>
+      </p:par>
+    </p:tnLst>
+  </p:timing>
+</p:sld>
+</file>
+
+<file path=ppt/slides/slide10.xml><?xml version="1.0" encoding="utf-8"?>
+<p:sld xmlns:a="http://schemas.openxmlformats.org/drawingml/2006/main" xmlns:r="http://schemas.openxmlformats.org/officeDocument/2006/relationships" xmlns:p="http://schemas.openxmlformats.org/presentationml/2006/main">
+  <p:cSld>
+    <p:spTree>
+      <p:nvGrpSpPr>
+        <p:cNvPr id="1" name=""/>
+        <p:cNvGrpSpPr/>
+        <p:nvPr/>
+      </p:nvGrpSpPr>
+      <p:grpSpPr>
+        <a:xfrm>
+          <a:off x="0" y="0"/>
+          <a:ext cx="0" cy="0"/>
+          <a:chOff x="0" y="0"/>
+          <a:chExt cx="0" cy="0"/>
+        </a:xfrm>
+      </p:grpSpPr>
+    </p:spTree>
+    <p:extLst>
+      <p:ext uri="{BB962C8B-B14F-4D97-AF65-F5344CB8AC3E}">
+        <p14:creationId xmlns:p14="http://schemas.microsoft.com/office/powerpoint/2010/main" val="1169096581"/>
+      </p:ext>
+    </p:extLst>
+  </p:cSld>
+  <p:clrMapOvr>
+    <a:masterClrMapping/>
+  </p:clrMapOvr>
+  <mc:AlternateContent xmlns:mc="http://schemas.openxmlformats.org/markup-compatibility/2006" xmlns:p14="http://schemas.microsoft.com/office/powerpoint/2010/main">
+    <mc:Choice Requires="p14">
+      <p:transition spd="med" p14:dur="700">
+        <p:fade/>
+      </p:transition>
+    </mc:Choice>
+    <mc:Fallback xmlns="">
+      <p:transition spd="med">
+        <p:fade/>
+      </p:transition>
+    </mc:Fallback>
+  </mc:AlternateContent>
   <p:timing>
     <p:tnLst>
       <p:par>
@@ -18093,7 +18124,6 @@
               <a:rPr lang="de-DE" dirty="0" smtClean="0"/>
               <a:t>Hochfrequentierte Webseite</a:t>
             </a:r>
-            <a:endParaRPr lang="de-DE" dirty="0" smtClean="0"/>
           </a:p>
           <a:p>
             <a:pPr lvl="1"/>
@@ -19138,11 +19168,7 @@
           <a:p>
             <a:r>
               <a:rPr lang="de-DE" sz="4080" dirty="0" smtClean="0"/>
-              <a:t>Hochfrequentierte </a:t>
-            </a:r>
-            <a:r>
-              <a:rPr lang="de-DE" sz="4080" dirty="0" smtClean="0"/>
-              <a:t>Webseite (PAYG) </a:t>
+              <a:t>Hochfrequentierte Webseite (PAYG) </a:t>
             </a:r>
             <a:r>
               <a:rPr lang="de-DE" sz="2040" dirty="0"/>
@@ -19150,11 +19176,7 @@
             </a:r>
             <a:r>
               <a:rPr lang="de-DE" sz="2040" dirty="0" smtClean="0"/>
-              <a:t>2</a:t>
-            </a:r>
-            <a:r>
-              <a:rPr lang="de-DE" sz="2040" dirty="0" smtClean="0"/>
-              <a:t>0.10.2015)</a:t>
+              <a:t>20.10.2015)</a:t>
             </a:r>
             <a:endParaRPr lang="de-DE" sz="4080" dirty="0"/>
           </a:p>
@@ -19269,11 +19291,7 @@
                       </a:r>
                       <a:r>
                         <a:rPr lang="de-DE" sz="1600" baseline="0" dirty="0" smtClean="0"/>
-                        <a:t> / </a:t>
-                      </a:r>
-                      <a:r>
-                        <a:rPr lang="de-DE" sz="1600" baseline="0" dirty="0" smtClean="0"/>
-                        <a:t>Tag</a:t>
+                        <a:t> / Tag</a:t>
                       </a:r>
                       <a:endParaRPr lang="de-DE" sz="1600" dirty="0"/>
                     </a:p>
@@ -19324,11 +19342,7 @@
                       </a:r>
                       <a:r>
                         <a:rPr lang="de-DE" sz="1600" baseline="0" dirty="0" smtClean="0"/>
-                        <a:t> </a:t>
-                      </a:r>
-                      <a:r>
-                        <a:rPr lang="de-DE" sz="1600" baseline="0" dirty="0" smtClean="0"/>
-                        <a:t>S2</a:t>
+                        <a:t> S2</a:t>
                       </a:r>
                     </a:p>
                     <a:p>
@@ -19411,11 +19425,7 @@
                       </a:r>
                       <a:r>
                         <a:rPr lang="de-DE" sz="1600" baseline="0" dirty="0" smtClean="0"/>
-                        <a:t> </a:t>
-                      </a:r>
-                      <a:r>
-                        <a:rPr lang="de-DE" sz="1600" baseline="0" dirty="0" smtClean="0"/>
-                        <a:t>S2</a:t>
+                        <a:t> S2</a:t>
                       </a:r>
                     </a:p>
                     <a:p>
@@ -19560,7 +19570,6 @@
                         <a:rPr lang="de-DE" sz="1600" dirty="0" smtClean="0"/>
                         <a:t>)</a:t>
                       </a:r>
-                      <a:endParaRPr lang="de-DE" sz="1600" dirty="0" smtClean="0"/>
                     </a:p>
                     <a:p>
                       <a:r>
@@ -19579,11 +19588,7 @@
                     <a:p>
                       <a:r>
                         <a:rPr lang="de-DE" sz="1600" dirty="0" smtClean="0"/>
-                        <a:t>€0,0203  </a:t>
-                      </a:r>
-                      <a:r>
-                        <a:rPr lang="de-DE" sz="1600" dirty="0" smtClean="0"/>
-                        <a:t>/</a:t>
+                        <a:t>€0,0203  /</a:t>
                       </a:r>
                       <a:r>
                         <a:rPr lang="de-DE" sz="1600" baseline="0" dirty="0" smtClean="0"/>
@@ -19615,17 +19620,8 @@
                     <a:p>
                       <a:r>
                         <a:rPr lang="de-DE" sz="1600" dirty="0" smtClean="0"/>
-                        <a:t>(€20,7872 </a:t>
+                        <a:t>(€20,7872 / Monat)</a:t>
                       </a:r>
-                      <a:r>
-                        <a:rPr lang="de-DE" sz="1600" dirty="0" smtClean="0"/>
-                        <a:t>/ </a:t>
-                      </a:r>
-                      <a:r>
-                        <a:rPr lang="de-DE" sz="1600" dirty="0" smtClean="0"/>
-                        <a:t>Monat)</a:t>
-                      </a:r>
-                      <a:endParaRPr lang="de-DE" sz="1600" dirty="0" smtClean="0"/>
                     </a:p>
                   </a:txBody>
                   <a:tcPr marL="93260" marR="93260" marT="46630" marB="46630"/>
@@ -19666,11 +19662,7 @@
                       </a:r>
                       <a:r>
                         <a:rPr lang="de-DE" sz="1600" dirty="0" smtClean="0"/>
-                        <a:t>1.000.000 </a:t>
-                      </a:r>
-                      <a:r>
-                        <a:rPr lang="de-DE" sz="1600" dirty="0" smtClean="0"/>
-                        <a:t>Transaktionen</a:t>
+                        <a:t>1.000.000 Transaktionen</a:t>
                       </a:r>
                       <a:endParaRPr lang="de-DE" sz="1600" dirty="0"/>
                     </a:p>
@@ -19700,7 +19692,6 @@
                         <a:rPr lang="de-DE" sz="1600" dirty="0" smtClean="0"/>
                         <a:t>€0,04</a:t>
                       </a:r>
-                      <a:endParaRPr lang="de-DE" sz="1600" dirty="0" smtClean="0"/>
                     </a:p>
                   </a:txBody>
                   <a:tcPr marL="93260" marR="93260" marT="46630" marB="46630"/>
@@ -19733,11 +19724,7 @@
                     <a:p>
                       <a:r>
                         <a:rPr lang="de-DE" sz="1600" dirty="0" smtClean="0"/>
-                        <a:t>1 </a:t>
-                      </a:r>
-                      <a:r>
-                        <a:rPr lang="de-DE" sz="1600" dirty="0" smtClean="0"/>
-                        <a:t>TB</a:t>
+                        <a:t>1 TB</a:t>
                       </a:r>
                       <a:endParaRPr lang="de-DE" sz="1600" dirty="0"/>
                     </a:p>
@@ -19777,7 +19764,6 @@
                         <a:rPr lang="de-DE" sz="1600" dirty="0" smtClean="0"/>
                         <a:t>€75,1616</a:t>
                       </a:r>
-                      <a:endParaRPr lang="de-DE" sz="1600" dirty="0" smtClean="0"/>
                     </a:p>
                   </a:txBody>
                   <a:tcPr marL="93260" marR="93260" marT="46630" marB="46630"/>
@@ -19932,15 +19918,7 @@
             </a:r>
             <a:r>
               <a:rPr lang="de-DE" sz="2040" dirty="0" smtClean="0"/>
-              <a:t>20</a:t>
-            </a:r>
-            <a:r>
-              <a:rPr lang="de-DE" sz="2040" dirty="0" smtClean="0"/>
-              <a:t>.10.2015</a:t>
-            </a:r>
-            <a:r>
-              <a:rPr lang="de-DE" sz="2040" dirty="0" smtClean="0"/>
-              <a:t>)</a:t>
+              <a:t>20.10.2015)</a:t>
             </a:r>
             <a:endParaRPr lang="de-DE" sz="4080" dirty="0"/>
           </a:p>
@@ -20055,11 +20033,7 @@
                       </a:r>
                       <a:r>
                         <a:rPr lang="de-DE" sz="1600" baseline="0" dirty="0" smtClean="0"/>
-                        <a:t> / </a:t>
-                      </a:r>
-                      <a:r>
-                        <a:rPr lang="de-DE" sz="1600" baseline="0" dirty="0" smtClean="0"/>
-                        <a:t>Monat</a:t>
+                        <a:t> / Monat</a:t>
                       </a:r>
                       <a:endParaRPr lang="de-DE" sz="1600" dirty="0"/>
                     </a:p>
@@ -20100,7 +20074,6 @@
                         <a:rPr lang="de-DE" sz="1600" dirty="0" smtClean="0"/>
                         <a:t>45x 20 GB</a:t>
                       </a:r>
-                      <a:endParaRPr lang="de-DE" sz="1600" dirty="0" smtClean="0"/>
                     </a:p>
                   </a:txBody>
                   <a:tcPr marL="93260" marR="93260" marT="46630" marB="46630"/>
@@ -20120,7 +20093,6 @@
                         <a:rPr lang="de-DE" sz="1600" dirty="0" smtClean="0"/>
                         <a:t>€4,2165 / Monat</a:t>
                       </a:r>
-                      <a:endParaRPr lang="de-DE" sz="1600" dirty="0" smtClean="0"/>
                     </a:p>
                   </a:txBody>
                   <a:tcPr marL="93260" marR="93260" marT="46630" marB="46630"/>
@@ -20181,7 +20153,6 @@
                         <a:rPr lang="de-DE" sz="1600" dirty="0" smtClean="0"/>
                         <a:t>€0,0203 / GB (Preisstufe bis 1 TB)</a:t>
                       </a:r>
-                      <a:endParaRPr lang="de-DE" sz="1600" dirty="0" smtClean="0"/>
                     </a:p>
                   </a:txBody>
                   <a:tcPr marL="93260" marR="93260" marT="46630" marB="46630"/>
@@ -20275,7 +20246,6 @@
                         <a:rPr lang="de-DE" sz="1600" dirty="0" smtClean="0"/>
                         <a:t>€8,433 / Monat</a:t>
                       </a:r>
-                      <a:endParaRPr lang="de-DE" sz="1600" dirty="0" smtClean="0"/>
                     </a:p>
                   </a:txBody>
                   <a:tcPr marL="93260" marR="93260" marT="46630" marB="46630"/>
@@ -20389,7 +20359,6 @@
                         <a:rPr lang="de-DE" sz="1600" dirty="0" smtClean="0"/>
                         <a:t>= €30,3072</a:t>
                       </a:r>
-                      <a:endParaRPr lang="de-DE" sz="1600" dirty="0" smtClean="0"/>
                     </a:p>
                   </a:txBody>
                   <a:tcPr marL="93260" marR="93260" marT="46630" marB="46630"/>
@@ -20479,7 +20448,6 @@
                         <a:rPr lang="de-DE" sz="1600" dirty="0" smtClean="0"/>
                         <a:t>€33,732</a:t>
                       </a:r>
-                      <a:endParaRPr lang="de-DE" sz="1600" dirty="0" smtClean="0"/>
                     </a:p>
                   </a:txBody>
                   <a:tcPr marL="93260" marR="93260" marT="46630" marB="46630"/>
@@ -20575,7 +20543,6 @@
                         <a:rPr lang="de-DE" sz="1600" dirty="0" smtClean="0"/>
                         <a:t>= 82,7152</a:t>
                       </a:r>
-                      <a:endParaRPr lang="de-DE" sz="1600" dirty="0" smtClean="0"/>
                     </a:p>
                   </a:txBody>
                   <a:tcPr marL="93260" marR="93260" marT="46630" marB="46630"/>
@@ -20759,35 +20726,102 @@
           <a:chExt cx="0" cy="0"/>
         </a:xfrm>
       </p:grpSpPr>
+      <p:sp>
+        <p:nvSpPr>
+          <p:cNvPr id="3" name="Titel 2"/>
+          <p:cNvSpPr>
+            <a:spLocks noGrp="1"/>
+          </p:cNvSpPr>
+          <p:nvPr>
+            <p:ph type="title"/>
+          </p:nvPr>
+        </p:nvSpPr>
+        <p:spPr/>
+        <p:txBody>
+          <a:bodyPr/>
+          <a:lstStyle/>
+          <a:p>
+            <a:r>
+              <a:rPr lang="de-DE" dirty="0" smtClean="0"/>
+              <a:t>Fragen zur Sicherheit</a:t>
+            </a:r>
+            <a:endParaRPr lang="de-DE" dirty="0"/>
+          </a:p>
+        </p:txBody>
+      </p:sp>
+      <p:sp>
+        <p:nvSpPr>
+          <p:cNvPr id="4" name="Inhaltsplatzhalter 3"/>
+          <p:cNvSpPr>
+            <a:spLocks noGrp="1"/>
+          </p:cNvSpPr>
+          <p:nvPr>
+            <p:ph sz="quarter" idx="12"/>
+          </p:nvPr>
+        </p:nvSpPr>
+        <p:spPr/>
+        <p:txBody>
+          <a:bodyPr/>
+          <a:lstStyle/>
+          <a:p>
+            <a:pPr marL="0" indent="0">
+              <a:buNone/>
+            </a:pPr>
+            <a:r>
+              <a:rPr lang="de-DE" dirty="0" smtClean="0"/>
+              <a:t>Fokus:</a:t>
+            </a:r>
+          </a:p>
+          <a:p>
+            <a:r>
+              <a:rPr lang="de-DE" dirty="0" smtClean="0"/>
+              <a:t>Datensicherheit</a:t>
+            </a:r>
+          </a:p>
+          <a:p>
+            <a:pPr marL="0" indent="0">
+              <a:buNone/>
+            </a:pPr>
+            <a:endParaRPr lang="de-DE" smtClean="0"/>
+          </a:p>
+          <a:p>
+            <a:pPr marL="0" indent="0">
+              <a:buNone/>
+            </a:pPr>
+            <a:r>
+              <a:rPr lang="de-DE" smtClean="0"/>
+              <a:t>Angerissen:</a:t>
+            </a:r>
+            <a:endParaRPr lang="de-DE" dirty="0" smtClean="0"/>
+          </a:p>
+          <a:p>
+            <a:r>
+              <a:rPr lang="de-DE" dirty="0" smtClean="0"/>
+              <a:t>Datenschutz</a:t>
+            </a:r>
+          </a:p>
+          <a:p>
+            <a:r>
+              <a:rPr lang="de-DE" dirty="0" smtClean="0"/>
+              <a:t>Compliance</a:t>
+            </a:r>
+            <a:endParaRPr lang="de-DE" dirty="0" smtClean="0"/>
+          </a:p>
+        </p:txBody>
+      </p:sp>
     </p:spTree>
     <p:extLst>
       <p:ext uri="{BB962C8B-B14F-4D97-AF65-F5344CB8AC3E}">
-        <p14:creationId xmlns:p14="http://schemas.microsoft.com/office/powerpoint/2010/main" val="1169096581"/>
+        <p14:creationId xmlns:p14="http://schemas.microsoft.com/office/powerpoint/2010/main" val="4287233432"/>
       </p:ext>
     </p:extLst>
   </p:cSld>
   <p:clrMapOvr>
     <a:masterClrMapping/>
   </p:clrMapOvr>
-  <mc:AlternateContent xmlns:mc="http://schemas.openxmlformats.org/markup-compatibility/2006" xmlns:p14="http://schemas.microsoft.com/office/powerpoint/2010/main">
-    <mc:Choice Requires="p14">
-      <p:transition spd="med" p14:dur="700">
-        <p:fade/>
-      </p:transition>
-    </mc:Choice>
-    <mc:Fallback xmlns="">
-      <p:transition spd="med">
-        <p:fade/>
-      </p:transition>
-    </mc:Fallback>
-  </mc:AlternateContent>
-  <p:timing>
-    <p:tnLst>
-      <p:par>
-        <p:cTn id="1" dur="indefinite" restart="never" nodeType="tmRoot"/>
-      </p:par>
-    </p:tnLst>
-  </p:timing>
+  <p:transition>
+    <p:fade/>
+  </p:transition>
 </p:sld>
 </file>
 
@@ -21605,10 +21639,66 @@
 
 <file path=customXml/item1.xml><?xml version="1.0" encoding="utf-8"?>
 <?mso-contentType ?>
+<spe:Receivers xmlns:spe="http://schemas.microsoft.com/sharepoint/events">
+  <Receiver>
+    <Name>Document ID Generator</Name>
+    <Synchronization>Synchronous</Synchronization>
+    <Type>10001</Type>
+    <SequenceNumber>1000</SequenceNumber>
+    <Assembly>Microsoft.Office.DocumentManagement, Version=14.0.0.0, Culture=neutral, PublicKeyToken=71e9bce111e9429c</Assembly>
+    <Class>Microsoft.Office.DocumentManagement.Internal.DocIdHandler</Class>
+    <Data/>
+    <Filter/>
+  </Receiver>
+  <Receiver>
+    <Name>Document ID Generator</Name>
+    <Synchronization>Synchronous</Synchronization>
+    <Type>10002</Type>
+    <SequenceNumber>1001</SequenceNumber>
+    <Assembly>Microsoft.Office.DocumentManagement, Version=14.0.0.0, Culture=neutral, PublicKeyToken=71e9bce111e9429c</Assembly>
+    <Class>Microsoft.Office.DocumentManagement.Internal.DocIdHandler</Class>
+    <Data/>
+    <Filter/>
+  </Receiver>
+  <Receiver>
+    <Name>Document ID Generator</Name>
+    <Synchronization>Synchronous</Synchronization>
+    <Type>10004</Type>
+    <SequenceNumber>1002</SequenceNumber>
+    <Assembly>Microsoft.Office.DocumentManagement, Version=14.0.0.0, Culture=neutral, PublicKeyToken=71e9bce111e9429c</Assembly>
+    <Class>Microsoft.Office.DocumentManagement.Internal.DocIdHandler</Class>
+    <Data/>
+    <Filter/>
+  </Receiver>
+  <Receiver>
+    <Name>Document ID Generator</Name>
+    <Synchronization>Synchronous</Synchronization>
+    <Type>10006</Type>
+    <SequenceNumber>1003</SequenceNumber>
+    <Assembly>Microsoft.Office.DocumentManagement, Version=14.0.0.0, Culture=neutral, PublicKeyToken=71e9bce111e9429c</Assembly>
+    <Class>Microsoft.Office.DocumentManagement.Internal.DocIdHandler</Class>
+    <Data/>
+    <Filter/>
+  </Receiver>
+  <Receiver>
+    <Name>Document ID Generator</Name>
+    <Synchronization>Synchronous</Synchronization>
+    <Type>10009</Type>
+    <SequenceNumber>1004</SequenceNumber>
+    <Assembly>Microsoft.Office.DocumentManagement, Version=14.0.0.0, Culture=neutral, PublicKeyToken=71e9bce111e9429c</Assembly>
+    <Class>Microsoft.Office.DocumentManagement.Internal.DocIdHandler</Class>
+    <Data/>
+    <Filter/>
+  </Receiver>
+</spe:Receivers>
+</file>
+
+<file path=customXml/item2.xml><?xml version="1.0" encoding="utf-8"?>
+<?mso-contentType ?>
 <SharedContentType xmlns="Microsoft.SharePoint.Taxonomy.ContentTypeSync" SourceId="e385fb40-52d4-4fae-9c5b-3e8ff8a5878e" ContentTypeId="0x010100FF1FAB0DEDE9AF4ABA57B67AF4A9F321" PreviousValue="false"/>
 </file>
 
-<file path=customXml/item2.xml><?xml version="1.0" encoding="utf-8"?>
+<file path=customXml/item3.xml><?xml version="1.0" encoding="utf-8"?>
 <ct:contentTypeSchema xmlns:ct="http://schemas.microsoft.com/office/2006/metadata/contentType" xmlns:ma="http://schemas.microsoft.com/office/2006/metadata/properties/metaAttributes" ct:_="" ma:_="" ma:contentTypeName="KCDoc" ma:contentTypeID="0x010100FF1FAB0DEDE9AF4ABA57B67AF4A9F3210200596A0E07C3E77448942F9A5D1E81E582" ma:contentTypeVersion="77" ma:contentTypeDescription="" ma:contentTypeScope="" ma:versionID="97f91f319da502963c66db7bd9bafa24">
   <xsd:schema xmlns:xsd="http://www.w3.org/2001/XMLSchema" xmlns:xs="http://www.w3.org/2001/XMLSchema" xmlns:p="http://schemas.microsoft.com/office/2006/metadata/properties" xmlns:ns1="http://schemas.microsoft.com/sharepoint/v3" xmlns:ns2="4e240d41-6d38-4eac-9584-b3f543b50010" xmlns:ns3="230e9df3-be65-4c73-a93b-d1236ebd677e" xmlns:ns4="7b813d5f-7206-4d46-95a5-a58185f478af" xmlns:ns5="http://schemas.microsoft.com/sharepoint/v4" targetNamespace="http://schemas.microsoft.com/office/2006/metadata/properties" ma:root="true" ma:fieldsID="36d8d8ec0295720aab47118a50085ece" ns1:_="" ns2:_="" ns3:_="" ns4:_="" ns5:_="">
     <xsd:import namespace="http://schemas.microsoft.com/sharepoint/v3"/>
@@ -22103,7 +22193,7 @@
 </ct:contentTypeSchema>
 </file>
 
-<file path=customXml/item3.xml><?xml version="1.0" encoding="utf-8"?>
+<file path=customXml/item4.xml><?xml version="1.0" encoding="utf-8"?>
 <p:properties xmlns:p="http://schemas.microsoft.com/office/2006/metadata/properties" xmlns:xsi="http://www.w3.org/2001/XMLSchema-instance" xmlns:pc="http://schemas.microsoft.com/office/infopath/2007/PartnerControls">
   <documentManagement>
     <DocumentDescription xmlns="4e240d41-6d38-4eac-9584-b3f543b50010">Use this deck as the main EBC and Azure Overview deck.  Customize the deck as needed (additional slides in the appendix).  This deck should be delivered with the supporting demo’s and is scoped at the decision makers within IT.</DocumentDescription>
@@ -22377,7 +22467,7 @@
 </p:properties>
 </file>
 
-<file path=customXml/item4.xml><?xml version="1.0" encoding="utf-8"?>
+<file path=customXml/item5.xml><?xml version="1.0" encoding="utf-8"?>
 <?mso-contentType ?>
 <FormTemplates xmlns="http://schemas.microsoft.com/sharepoint/v3/contenttype/forms">
   <Display>DocumentLibraryForm</Display>
@@ -22386,63 +22476,15 @@
 </FormTemplates>
 </file>
 
-<file path=customXml/item5.xml><?xml version="1.0" encoding="utf-8"?>
-<?mso-contentType ?>
-<spe:Receivers xmlns:spe="http://schemas.microsoft.com/sharepoint/events">
-  <Receiver>
-    <Name>Document ID Generator</Name>
-    <Synchronization>Synchronous</Synchronization>
-    <Type>10001</Type>
-    <SequenceNumber>1000</SequenceNumber>
-    <Assembly>Microsoft.Office.DocumentManagement, Version=14.0.0.0, Culture=neutral, PublicKeyToken=71e9bce111e9429c</Assembly>
-    <Class>Microsoft.Office.DocumentManagement.Internal.DocIdHandler</Class>
-    <Data/>
-    <Filter/>
-  </Receiver>
-  <Receiver>
-    <Name>Document ID Generator</Name>
-    <Synchronization>Synchronous</Synchronization>
-    <Type>10002</Type>
-    <SequenceNumber>1001</SequenceNumber>
-    <Assembly>Microsoft.Office.DocumentManagement, Version=14.0.0.0, Culture=neutral, PublicKeyToken=71e9bce111e9429c</Assembly>
-    <Class>Microsoft.Office.DocumentManagement.Internal.DocIdHandler</Class>
-    <Data/>
-    <Filter/>
-  </Receiver>
-  <Receiver>
-    <Name>Document ID Generator</Name>
-    <Synchronization>Synchronous</Synchronization>
-    <Type>10004</Type>
-    <SequenceNumber>1002</SequenceNumber>
-    <Assembly>Microsoft.Office.DocumentManagement, Version=14.0.0.0, Culture=neutral, PublicKeyToken=71e9bce111e9429c</Assembly>
-    <Class>Microsoft.Office.DocumentManagement.Internal.DocIdHandler</Class>
-    <Data/>
-    <Filter/>
-  </Receiver>
-  <Receiver>
-    <Name>Document ID Generator</Name>
-    <Synchronization>Synchronous</Synchronization>
-    <Type>10006</Type>
-    <SequenceNumber>1003</SequenceNumber>
-    <Assembly>Microsoft.Office.DocumentManagement, Version=14.0.0.0, Culture=neutral, PublicKeyToken=71e9bce111e9429c</Assembly>
-    <Class>Microsoft.Office.DocumentManagement.Internal.DocIdHandler</Class>
-    <Data/>
-    <Filter/>
-  </Receiver>
-  <Receiver>
-    <Name>Document ID Generator</Name>
-    <Synchronization>Synchronous</Synchronization>
-    <Type>10009</Type>
-    <SequenceNumber>1004</SequenceNumber>
-    <Assembly>Microsoft.Office.DocumentManagement, Version=14.0.0.0, Culture=neutral, PublicKeyToken=71e9bce111e9429c</Assembly>
-    <Class>Microsoft.Office.DocumentManagement.Internal.DocIdHandler</Class>
-    <Data/>
-    <Filter/>
-  </Receiver>
-</spe:Receivers>
+<file path=customXml/itemProps1.xml><?xml version="1.0" encoding="utf-8"?>
+<ds:datastoreItem xmlns:ds="http://schemas.openxmlformats.org/officeDocument/2006/customXml" ds:itemID="{E5FD8E07-4E68-4E3F-96BD-4FFA3AC81A1B}">
+  <ds:schemaRefs>
+    <ds:schemaRef ds:uri="http://schemas.microsoft.com/sharepoint/events"/>
+  </ds:schemaRefs>
+</ds:datastoreItem>
 </file>
 
-<file path=customXml/itemProps1.xml><?xml version="1.0" encoding="utf-8"?>
+<file path=customXml/itemProps2.xml><?xml version="1.0" encoding="utf-8"?>
 <ds:datastoreItem xmlns:ds="http://schemas.openxmlformats.org/officeDocument/2006/customXml" ds:itemID="{C12AFFCC-E1DC-4673-B786-3C88E30A3D8E}">
   <ds:schemaRefs>
     <ds:schemaRef ds:uri="Microsoft.SharePoint.Taxonomy.ContentTypeSync"/>
@@ -22450,7 +22492,7 @@
 </ds:datastoreItem>
 </file>
 
-<file path=customXml/itemProps2.xml><?xml version="1.0" encoding="utf-8"?>
+<file path=customXml/itemProps3.xml><?xml version="1.0" encoding="utf-8"?>
 <ds:datastoreItem xmlns:ds="http://schemas.openxmlformats.org/officeDocument/2006/customXml" ds:itemID="{C11CD21E-5B4D-41AA-8CC9-0207EAA9F12F}">
   <ds:schemaRefs>
     <ds:schemaRef ds:uri="http://schemas.microsoft.com/office/2006/metadata/contentType"/>
@@ -22472,7 +22514,7 @@
 </ds:datastoreItem>
 </file>
 
-<file path=customXml/itemProps3.xml><?xml version="1.0" encoding="utf-8"?>
+<file path=customXml/itemProps4.xml><?xml version="1.0" encoding="utf-8"?>
 <ds:datastoreItem xmlns:ds="http://schemas.openxmlformats.org/officeDocument/2006/customXml" ds:itemID="{14D87765-BD76-43B8-A7B8-9DBD5B7B4763}">
   <ds:schemaRefs>
     <ds:schemaRef ds:uri="230e9df3-be65-4c73-a93b-d1236ebd677e"/>
@@ -22492,18 +22534,10 @@
 </ds:datastoreItem>
 </file>
 
-<file path=customXml/itemProps4.xml><?xml version="1.0" encoding="utf-8"?>
+<file path=customXml/itemProps5.xml><?xml version="1.0" encoding="utf-8"?>
 <ds:datastoreItem xmlns:ds="http://schemas.openxmlformats.org/officeDocument/2006/customXml" ds:itemID="{637CE760-3C25-48EA-9D92-DCD8CAA51C39}">
   <ds:schemaRefs>
     <ds:schemaRef ds:uri="http://schemas.microsoft.com/sharepoint/v3/contenttype/forms"/>
   </ds:schemaRefs>
 </ds:datastoreItem>
-</file>
-
-<file path=customXml/itemProps5.xml><?xml version="1.0" encoding="utf-8"?>
-<ds:datastoreItem xmlns:ds="http://schemas.openxmlformats.org/officeDocument/2006/customXml" ds:itemID="{E5FD8E07-4E68-4E3F-96BD-4FFA3AC81A1B}">
-  <ds:schemaRefs>
-    <ds:schemaRef ds:uri="http://schemas.microsoft.com/sharepoint/events"/>
-  </ds:schemaRefs>
-</ds:datastoreItem>
 </file>
--- a/Modul3/FY16Q2 Azure Kosten & Sicherheit (Hybrid IT 2015).pptx
+++ b/Modul3/FY16Q2 Azure Kosten & Sicherheit (Hybrid IT 2015).pptx
@@ -273,7 +273,7 @@
           <a:p>
             <a:fld id="{53E720BF-5BAB-4715-8B3B-2856BF90270A}" type="datetimeFigureOut">
               <a:rPr lang="de-DE" smtClean="0"/>
-              <a:t>10.11.2015</a:t>
+              <a:t>26.01.2016</a:t>
             </a:fld>
             <a:endParaRPr lang="de-DE"/>
           </a:p>
@@ -438,7 +438,7 @@
           <a:p>
             <a:fld id="{9D9CDDDB-B493-4813-BA5B-F25DD0BAB6F6}" type="datetimeFigureOut">
               <a:rPr lang="en-US" smtClean="0"/>
-              <a:t>11/10/2015</a:t>
+              <a:t>1/26/2016</a:t>
             </a:fld>
             <a:endParaRPr lang="en-US"/>
           </a:p>
@@ -502,38 +502,37 @@
           <a:p>
             <a:pPr lvl="0"/>
             <a:r>
-              <a:rPr lang="en-US" smtClean="0"/>
+              <a:rPr lang="en-US"/>
               <a:t>Click to edit Master text styles</a:t>
             </a:r>
           </a:p>
           <a:p>
             <a:pPr lvl="1"/>
             <a:r>
-              <a:rPr lang="en-US" smtClean="0"/>
+              <a:rPr lang="en-US"/>
               <a:t>Second level</a:t>
             </a:r>
           </a:p>
           <a:p>
             <a:pPr lvl="2"/>
             <a:r>
-              <a:rPr lang="en-US" smtClean="0"/>
+              <a:rPr lang="en-US"/>
               <a:t>Third level</a:t>
             </a:r>
           </a:p>
           <a:p>
             <a:pPr lvl="3"/>
             <a:r>
-              <a:rPr lang="en-US" smtClean="0"/>
+              <a:rPr lang="en-US"/>
               <a:t>Fourth level</a:t>
             </a:r>
           </a:p>
           <a:p>
             <a:pPr lvl="4"/>
             <a:r>
-              <a:rPr lang="en-US" smtClean="0"/>
+              <a:rPr lang="en-US"/>
               <a:t>Fifth level</a:t>
             </a:r>
-            <a:endParaRPr lang="en-US"/>
           </a:p>
         </p:txBody>
       </p:sp>
@@ -745,14 +744,14 @@
           </a:ln>
           <a:extLst>
             <a:ext uri="{909E8E84-426E-40dd-AFC4-6F175D3DCCD1}">
-              <a14:hiddenFill xmlns:a14="http://schemas.microsoft.com/office/drawing/2010/main" xmlns="">
+              <a14:hiddenFill xmlns="" xmlns:a14="http://schemas.microsoft.com/office/drawing/2010/main">
                 <a:solidFill>
                   <a:srgbClr val="FFFFFF"/>
                 </a:solidFill>
               </a14:hiddenFill>
             </a:ext>
             <a:ext uri="{FAA26D3D-D897-4be2-8F04-BA451C77F1D7}">
-              <ma14:placeholderFlag xmlns:ma14="http://schemas.microsoft.com/office/mac/drawingml/2011/main" xmlns="" val="1"/>
+              <ma14:placeholderFlag xmlns="" xmlns:ma14="http://schemas.microsoft.com/office/mac/drawingml/2011/main" val="1"/>
             </a:ext>
           </a:extLst>
         </p:spPr>
@@ -772,7 +771,7 @@
           <a:bodyPr/>
           <a:lstStyle/>
           <a:p>
-            <a:endParaRPr lang="en-US" sz="1400" baseline="0" dirty="0" smtClean="0"/>
+            <a:endParaRPr lang="en-US" sz="1400" baseline="0" dirty="0"/>
           </a:p>
         </p:txBody>
       </p:sp>
@@ -997,7 +996,7 @@
                 <a:latin typeface="Calibri" charset="0"/>
               </a:rPr>
               <a:pPr eaLnBrk="1" hangingPunct="1"/>
-              <a:t>11/10/2015</a:t>
+              <a:t>1/26/2016</a:t>
             </a:fld>
             <a:endParaRPr lang="en-US" sz="1200">
               <a:solidFill>
@@ -1300,11 +1299,11 @@
           <a:lstStyle/>
           <a:p>
             <a:r>
-              <a:rPr lang="de-DE" dirty="0" smtClean="0"/>
+              <a:rPr lang="de-DE" dirty="0"/>
               <a:t>Ein Test Lab,</a:t>
             </a:r>
             <a:r>
-              <a:rPr lang="de-DE" baseline="0" dirty="0" smtClean="0"/>
+              <a:rPr lang="de-DE" baseline="0" dirty="0"/>
               <a:t> das folgende Vorteile bietet:</a:t>
             </a:r>
           </a:p>
@@ -1314,7 +1313,7 @@
               <a:buChar char="•"/>
             </a:pPr>
             <a:r>
-              <a:rPr lang="de-DE" baseline="0" dirty="0" smtClean="0"/>
+              <a:rPr lang="de-DE" baseline="0" dirty="0"/>
               <a:t>Kann jederzeit erstellt, eingeschaltet und ausgeschaltet werden.</a:t>
             </a:r>
           </a:p>
@@ -1324,7 +1323,7 @@
               <a:buChar char="•"/>
             </a:pPr>
             <a:r>
-              <a:rPr lang="de-DE" baseline="0" dirty="0" smtClean="0"/>
+              <a:rPr lang="de-DE" baseline="0" dirty="0"/>
               <a:t>Kann beliebig erweitert und reduziert werden.</a:t>
             </a:r>
           </a:p>
@@ -1334,33 +1333,33 @@
               <a:buChar char="•"/>
             </a:pPr>
             <a:r>
-              <a:rPr lang="de-DE" baseline="0" dirty="0" smtClean="0"/>
+              <a:rPr lang="de-DE" baseline="0" dirty="0"/>
               <a:t>Ein ausgeschaltetes Test Lab kostet dann nur noch Speicherkosten.</a:t>
             </a:r>
-            <a:endParaRPr lang="de-DE" dirty="0" smtClean="0"/>
+            <a:endParaRPr lang="de-DE" dirty="0"/>
           </a:p>
           <a:p>
-            <a:endParaRPr lang="de-DE" dirty="0" smtClean="0"/>
+            <a:endParaRPr lang="de-DE" dirty="0"/>
           </a:p>
           <a:p>
             <a:r>
-              <a:rPr lang="de-DE" dirty="0" smtClean="0"/>
+              <a:rPr lang="de-DE" dirty="0"/>
               <a:t>http://azure.microsoft.com/de-de/offers/ms-azr-0063p</a:t>
             </a:r>
           </a:p>
           <a:p>
-            <a:endParaRPr lang="de-DE" dirty="0" smtClean="0"/>
+            <a:endParaRPr lang="de-DE" dirty="0"/>
           </a:p>
           <a:p>
             <a:r>
-              <a:rPr lang="de-DE" dirty="0" smtClean="0"/>
+              <a:rPr lang="de-DE" dirty="0"/>
               <a:t>Ohne Gewähr. Berechnungen wurden</a:t>
             </a:r>
             <a:r>
-              <a:rPr lang="de-DE" baseline="0" dirty="0" smtClean="0"/>
+              <a:rPr lang="de-DE" baseline="0" dirty="0"/>
               <a:t> nach besten Wissen erstellt, dennoch können Fehler nicht ausgeschlossen werden.</a:t>
             </a:r>
-            <a:endParaRPr lang="de-DE" dirty="0" smtClean="0"/>
+            <a:endParaRPr lang="de-DE" dirty="0"/>
           </a:p>
         </p:txBody>
       </p:sp>
@@ -1445,7 +1444,7 @@
           <a:lstStyle/>
           <a:p>
             <a:r>
-              <a:rPr lang="de-DE" dirty="0" smtClean="0"/>
+              <a:rPr lang="de-DE" dirty="0"/>
               <a:t>Eine Webseite für hohe Anforderungen:</a:t>
             </a:r>
           </a:p>
@@ -1455,11 +1454,11 @@
               <a:buChar char="•"/>
             </a:pPr>
             <a:r>
-              <a:rPr lang="de-DE" dirty="0" smtClean="0"/>
+              <a:rPr lang="de-DE" dirty="0"/>
               <a:t>In der Hauptzeit 10 Maschinen,</a:t>
             </a:r>
             <a:r>
-              <a:rPr lang="de-DE" baseline="0" dirty="0" smtClean="0"/>
+              <a:rPr lang="de-DE" baseline="0" dirty="0"/>
               <a:t> in der Nebenzeit nur 3 Maschinen.</a:t>
             </a:r>
           </a:p>
@@ -1469,7 +1468,7 @@
               <a:buChar char="•"/>
             </a:pPr>
             <a:r>
-              <a:rPr lang="de-DE" baseline="0" dirty="0" smtClean="0"/>
+              <a:rPr lang="de-DE" baseline="0" dirty="0"/>
               <a:t>SSL-Kosten sind inklusive. (Zertifikate müssen separat erworben/bereitgestellt werden.)</a:t>
             </a:r>
           </a:p>
@@ -1478,39 +1477,39 @@
               <a:buFont typeface="Arial" panose="020B0604020202020204" pitchFamily="34" charset="0"/>
               <a:buChar char="•"/>
             </a:pPr>
-            <a:endParaRPr lang="de-DE" dirty="0" smtClean="0"/>
+            <a:endParaRPr lang="de-DE" dirty="0"/>
           </a:p>
           <a:p>
-            <a:endParaRPr lang="de-DE" dirty="0" smtClean="0"/>
+            <a:endParaRPr lang="de-DE" dirty="0"/>
           </a:p>
           <a:p>
             <a:r>
-              <a:rPr lang="de-DE" dirty="0" smtClean="0"/>
+              <a:rPr lang="de-DE" dirty="0"/>
               <a:t>PAYG</a:t>
             </a:r>
             <a:r>
-              <a:rPr lang="de-DE" baseline="0" dirty="0" smtClean="0"/>
+              <a:rPr lang="de-DE" baseline="0" dirty="0"/>
               <a:t> = Pay-</a:t>
             </a:r>
             <a:r>
-              <a:rPr lang="de-DE" baseline="0" dirty="0" err="1" smtClean="0"/>
+              <a:rPr lang="de-DE" baseline="0" dirty="0" err="1"/>
               <a:t>as</a:t>
             </a:r>
             <a:r>
-              <a:rPr lang="de-DE" baseline="0" dirty="0" smtClean="0"/>
+              <a:rPr lang="de-DE" baseline="0" dirty="0"/>
               <a:t>-</a:t>
             </a:r>
             <a:r>
-              <a:rPr lang="de-DE" baseline="0" dirty="0" err="1" smtClean="0"/>
+              <a:rPr lang="de-DE" baseline="0" dirty="0" err="1"/>
               <a:t>you-go</a:t>
             </a:r>
             <a:r>
-              <a:rPr lang="de-DE" baseline="0" dirty="0" smtClean="0"/>
+              <a:rPr lang="de-DE" baseline="0" dirty="0"/>
               <a:t>, Verbrauchstarif</a:t>
             </a:r>
           </a:p>
           <a:p>
-            <a:endParaRPr lang="de-DE" baseline="0" dirty="0" smtClean="0"/>
+            <a:endParaRPr lang="de-DE" baseline="0" dirty="0"/>
           </a:p>
           <a:p>
             <a:pPr marL="0" marR="0" indent="0" algn="l" defTabSz="932425" rtl="0" eaLnBrk="1" fontAlgn="auto" latinLnBrk="0" hangingPunct="1">
@@ -1531,14 +1530,14 @@
               <a:defRPr/>
             </a:pPr>
             <a:r>
-              <a:rPr lang="de-DE" dirty="0" smtClean="0"/>
+              <a:rPr lang="de-DE" dirty="0"/>
               <a:t>Ohne Gewähr. Berechnungen wurden</a:t>
             </a:r>
             <a:r>
-              <a:rPr lang="de-DE" baseline="0" dirty="0" smtClean="0"/>
+              <a:rPr lang="de-DE" baseline="0" dirty="0"/>
               <a:t> nach besten Wissen erstellt, dennoch können Fehler nicht ausgeschlossen werden.</a:t>
             </a:r>
-            <a:endParaRPr lang="de-DE" dirty="0" smtClean="0"/>
+            <a:endParaRPr lang="de-DE" dirty="0"/>
           </a:p>
         </p:txBody>
       </p:sp>
@@ -1640,7 +1639,7 @@
               <a:defRPr/>
             </a:pPr>
             <a:r>
-              <a:rPr lang="de-DE" dirty="0" smtClean="0"/>
+              <a:rPr lang="de-DE" dirty="0"/>
               <a:t>Eine Backup-Lösung mit folgenden Eigenschaften:</a:t>
             </a:r>
           </a:p>
@@ -1663,11 +1662,11 @@
               <a:defRPr/>
             </a:pPr>
             <a:r>
-              <a:rPr lang="de-DE" dirty="0" smtClean="0"/>
+              <a:rPr lang="de-DE" dirty="0"/>
               <a:t>Unternehmen</a:t>
             </a:r>
             <a:r>
-              <a:rPr lang="de-DE" baseline="0" dirty="0" smtClean="0"/>
+              <a:rPr lang="de-DE" baseline="0" dirty="0"/>
               <a:t> mit 50 Mitarbeitern, 45 „normale“ Arbeitsplätze und 5 Power-User.</a:t>
             </a:r>
           </a:p>
@@ -1690,7 +1689,7 @@
               <a:defRPr/>
             </a:pPr>
             <a:r>
-              <a:rPr lang="de-DE" baseline="0" dirty="0" smtClean="0"/>
+              <a:rPr lang="de-DE" baseline="0" dirty="0"/>
               <a:t>Sicherung eines zusätzlichen File Servers mit 2 TB Daten.</a:t>
             </a:r>
           </a:p>
@@ -1713,14 +1712,14 @@
               <a:defRPr/>
             </a:pPr>
             <a:r>
-              <a:rPr lang="de-DE" baseline="0" dirty="0" err="1" smtClean="0"/>
+              <a:rPr lang="de-DE" baseline="0" dirty="0" err="1"/>
               <a:t>Offsite</a:t>
             </a:r>
             <a:r>
-              <a:rPr lang="de-DE" baseline="0" dirty="0" smtClean="0"/>
+              <a:rPr lang="de-DE" baseline="0" dirty="0"/>
               <a:t>-Backup. Nutzerdaten mit lokaler Redundanz, Dateiserver-Daten mit Geo-Redundanz.</a:t>
             </a:r>
-            <a:endParaRPr lang="de-DE" dirty="0" smtClean="0"/>
+            <a:endParaRPr lang="de-DE" dirty="0"/>
           </a:p>
           <a:p>
             <a:pPr marL="0" marR="0" indent="0" algn="l" defTabSz="932425" rtl="0" eaLnBrk="1" fontAlgn="auto" latinLnBrk="0" hangingPunct="1">
@@ -1740,7 +1739,7 @@
               <a:tabLst/>
               <a:defRPr/>
             </a:pPr>
-            <a:endParaRPr lang="de-DE" dirty="0" smtClean="0"/>
+            <a:endParaRPr lang="de-DE" dirty="0"/>
           </a:p>
           <a:p>
             <a:pPr marL="0" marR="0" indent="0" algn="l" defTabSz="932425" rtl="0" eaLnBrk="1" fontAlgn="auto" latinLnBrk="0" hangingPunct="1">
@@ -1761,11 +1760,11 @@
               <a:defRPr/>
             </a:pPr>
             <a:r>
-              <a:rPr lang="de-DE" dirty="0" smtClean="0"/>
+              <a:rPr lang="de-DE" dirty="0"/>
               <a:t>Initialer Transfer</a:t>
             </a:r>
             <a:r>
-              <a:rPr lang="de-DE" baseline="0" dirty="0" smtClean="0"/>
+              <a:rPr lang="de-DE" baseline="0" dirty="0"/>
               <a:t> wäre auch über Import-/Export-Service möglich:</a:t>
             </a:r>
           </a:p>
@@ -1788,14 +1787,14 @@
               <a:defRPr/>
             </a:pPr>
             <a:r>
-              <a:rPr lang="de-DE" dirty="0" smtClean="0"/>
+              <a:rPr lang="de-DE" dirty="0"/>
               <a:t>€67,47 / HD + Porto (aktuelles Limit 6 TB /</a:t>
             </a:r>
             <a:r>
-              <a:rPr lang="de-DE" baseline="0" dirty="0" smtClean="0"/>
+              <a:rPr lang="de-DE" baseline="0" dirty="0"/>
               <a:t> HD)</a:t>
             </a:r>
-            <a:endParaRPr lang="de-DE" dirty="0" smtClean="0"/>
+            <a:endParaRPr lang="de-DE" dirty="0"/>
           </a:p>
           <a:p>
             <a:pPr marL="0" marR="0" indent="0" algn="l" defTabSz="932425" rtl="0" eaLnBrk="1" fontAlgn="auto" latinLnBrk="0" hangingPunct="1">
@@ -1815,7 +1814,7 @@
               <a:tabLst/>
               <a:defRPr/>
             </a:pPr>
-            <a:endParaRPr lang="de-DE" dirty="0" smtClean="0"/>
+            <a:endParaRPr lang="de-DE" dirty="0"/>
           </a:p>
           <a:p>
             <a:pPr marL="0" marR="0" indent="0" algn="l" defTabSz="932425" rtl="0" eaLnBrk="1" fontAlgn="auto" latinLnBrk="0" hangingPunct="1">
@@ -1836,33 +1835,33 @@
               <a:defRPr/>
             </a:pPr>
             <a:r>
-              <a:rPr lang="de-DE" dirty="0" smtClean="0"/>
+              <a:rPr lang="de-DE" dirty="0"/>
               <a:t>PAYG</a:t>
             </a:r>
             <a:r>
-              <a:rPr lang="de-DE" baseline="0" dirty="0" smtClean="0"/>
+              <a:rPr lang="de-DE" baseline="0" dirty="0"/>
               <a:t> = Pay-</a:t>
             </a:r>
             <a:r>
-              <a:rPr lang="de-DE" baseline="0" dirty="0" err="1" smtClean="0"/>
+              <a:rPr lang="de-DE" baseline="0" dirty="0" err="1"/>
               <a:t>as</a:t>
             </a:r>
             <a:r>
-              <a:rPr lang="de-DE" baseline="0" dirty="0" smtClean="0"/>
+              <a:rPr lang="de-DE" baseline="0" dirty="0"/>
               <a:t>-</a:t>
             </a:r>
             <a:r>
-              <a:rPr lang="de-DE" baseline="0" dirty="0" err="1" smtClean="0"/>
+              <a:rPr lang="de-DE" baseline="0" dirty="0" err="1"/>
               <a:t>you-go</a:t>
             </a:r>
             <a:r>
-              <a:rPr lang="de-DE" baseline="0" dirty="0" smtClean="0"/>
+              <a:rPr lang="de-DE" baseline="0" dirty="0"/>
               <a:t>, Verbrauchstarif</a:t>
             </a:r>
-            <a:endParaRPr lang="de-DE" dirty="0" smtClean="0"/>
+            <a:endParaRPr lang="de-DE" dirty="0"/>
           </a:p>
           <a:p>
-            <a:endParaRPr lang="de-DE" dirty="0" smtClean="0"/>
+            <a:endParaRPr lang="de-DE" dirty="0"/>
           </a:p>
           <a:p>
             <a:pPr marL="0" marR="0" indent="0" algn="l" defTabSz="932425" rtl="0" eaLnBrk="1" fontAlgn="auto" latinLnBrk="0" hangingPunct="1">
@@ -1883,14 +1882,14 @@
               <a:defRPr/>
             </a:pPr>
             <a:r>
-              <a:rPr lang="de-DE" dirty="0" smtClean="0"/>
+              <a:rPr lang="de-DE" dirty="0"/>
               <a:t>Ohne Gewähr. Berechnungen wurden</a:t>
             </a:r>
             <a:r>
-              <a:rPr lang="de-DE" baseline="0" dirty="0" smtClean="0"/>
+              <a:rPr lang="de-DE" baseline="0" dirty="0"/>
               <a:t> nach besten Wissen erstellt, dennoch können Fehler nicht ausgeschlossen werden.</a:t>
             </a:r>
-            <a:endParaRPr lang="de-DE" dirty="0" smtClean="0"/>
+            <a:endParaRPr lang="de-DE" dirty="0"/>
           </a:p>
           <a:p>
             <a:endParaRPr lang="de-DE" dirty="0"/>
@@ -2040,7 +2039,7 @@
                   <a:prstClr val="black"/>
                 </a:solidFill>
               </a:rPr>
-              <a:t>11/10/2015 11:30 PM</a:t>
+              <a:t>1/26/2016 8:06 PM</a:t>
             </a:fld>
             <a:endParaRPr lang="en-US" dirty="0">
               <a:solidFill>
@@ -2099,7 +2098,7 @@
           <a:p>
             <a:pPr defTabSz="914099" eaLnBrk="0" hangingPunct="0"/>
             <a:r>
-              <a:rPr lang="en-US" sz="400" dirty="0" smtClean="0">
+              <a:rPr lang="en-US" sz="400" dirty="0">
                 <a:gradFill>
                   <a:gsLst>
                     <a:gs pos="0">
@@ -2287,14 +2286,14 @@
           </a:ln>
           <a:extLst>
             <a:ext uri="{909E8E84-426E-40dd-AFC4-6F175D3DCCD1}">
-              <a14:hiddenFill xmlns:a14="http://schemas.microsoft.com/office/drawing/2010/main" xmlns="">
+              <a14:hiddenFill xmlns="" xmlns:a14="http://schemas.microsoft.com/office/drawing/2010/main">
                 <a:solidFill>
                   <a:srgbClr val="FFFFFF"/>
                 </a:solidFill>
               </a14:hiddenFill>
             </a:ext>
             <a:ext uri="{91240B29-F687-4f45-9708-019B960494DF}">
-              <a14:hiddenLine xmlns:a14="http://schemas.microsoft.com/office/drawing/2010/main" xmlns="" w="9525">
+              <a14:hiddenLine xmlns="" xmlns:a14="http://schemas.microsoft.com/office/drawing/2010/main" w="9525">
                 <a:solidFill>
                   <a:srgbClr val="000000"/>
                 </a:solidFill>
@@ -2335,7 +2334,7 @@
           </a:lstStyle>
           <a:p>
             <a:r>
-              <a:rPr lang="en-US" smtClean="0"/>
+              <a:rPr lang="en-US"/>
               <a:t>Click to edit Master title style</a:t>
             </a:r>
             <a:endParaRPr lang="en-US" dirty="0"/>
@@ -2459,10 +2458,10 @@
           </a:lstStyle>
           <a:p>
             <a:r>
-              <a:rPr lang="en-US" smtClean="0"/>
+              <a:rPr lang="en-US"/>
               <a:t>Click to edit Master subtitle style</a:t>
             </a:r>
-            <a:endParaRPr lang="en-US" dirty="0" smtClean="0"/>
+            <a:endParaRPr lang="en-US" dirty="0"/>
           </a:p>
         </p:txBody>
       </p:sp>
@@ -2479,13 +2478,6 @@
   <p:transition>
     <p:fade/>
   </p:transition>
-  <p:timing>
-    <p:tnLst>
-      <p:par>
-        <p:cTn id="1" dur="indefinite" restart="never" nodeType="tmRoot"/>
-      </p:par>
-    </p:tnLst>
-  </p:timing>
 </p:sldLayout>
 </file>
 
@@ -2543,13 +2535,6 @@
   <p:transition>
     <p:fade/>
   </p:transition>
-  <p:timing>
-    <p:tnLst>
-      <p:par>
-        <p:cTn id="1" dur="indefinite" restart="never" nodeType="tmRoot"/>
-      </p:par>
-    </p:tnLst>
-  </p:timing>
 </p:sldLayout>
 </file>
 
@@ -2651,10 +2636,9 @@
           <a:p>
             <a:pPr lvl="0"/>
             <a:r>
-              <a:rPr lang="en-US" smtClean="0"/>
+              <a:rPr lang="en-US"/>
               <a:t>Click to edit Master text styles</a:t>
             </a:r>
-            <a:endParaRPr lang="en-US"/>
           </a:p>
         </p:txBody>
       </p:sp>
@@ -2690,10 +2674,9 @@
           </a:lstStyle>
           <a:p>
             <a:r>
-              <a:rPr lang="en-US" dirty="0" smtClean="0"/>
+              <a:rPr lang="en-US" dirty="0"/>
               <a:t>Click to edit Master title style</a:t>
             </a:r>
-            <a:endParaRPr lang="en-US" dirty="0"/>
           </a:p>
         </p:txBody>
       </p:sp>
@@ -2776,13 +2759,6 @@
   <p:transition spd="med">
     <p:fade/>
   </p:transition>
-  <p:timing>
-    <p:tnLst>
-      <p:par>
-        <p:cTn id="1" dur="indefinite" restart="never" nodeType="tmRoot"/>
-      </p:par>
-    </p:tnLst>
-  </p:timing>
 </p:sldLayout>
 </file>
 
@@ -2886,13 +2862,6 @@
   <p:transition spd="med">
     <p:fade/>
   </p:transition>
-  <p:timing>
-    <p:tnLst>
-      <p:par>
-        <p:cTn id="1" dur="indefinite" restart="never" nodeType="tmRoot"/>
-      </p:par>
-    </p:tnLst>
-  </p:timing>
 </p:sldLayout>
 </file>
 
@@ -2953,10 +2922,9 @@
           </a:lstStyle>
           <a:p>
             <a:r>
-              <a:rPr lang="en-US" dirty="0" smtClean="0"/>
+              <a:rPr lang="en-US" dirty="0"/>
               <a:t>Click to edit Master title style</a:t>
             </a:r>
-            <a:endParaRPr lang="en-US" dirty="0"/>
           </a:p>
         </p:txBody>
       </p:sp>
@@ -2973,13 +2941,6 @@
   <p:transition spd="med">
     <p:fade/>
   </p:transition>
-  <p:timing>
-    <p:tnLst>
-      <p:par>
-        <p:cTn id="1" dur="indefinite" restart="never" nodeType="tmRoot"/>
-      </p:par>
-    </p:tnLst>
-  </p:timing>
 </p:sldLayout>
 </file>
 
@@ -3016,10 +2977,9 @@
           <a:lstStyle/>
           <a:p>
             <a:r>
-              <a:rPr lang="en-US" dirty="0" smtClean="0"/>
+              <a:rPr lang="en-US" dirty="0"/>
               <a:t>Click to edit Master title style</a:t>
             </a:r>
-            <a:endParaRPr lang="en-US" dirty="0"/>
           </a:p>
         </p:txBody>
       </p:sp>
@@ -3042,10 +3002,9 @@
               <a:defRPr/>
             </a:pPr>
             <a:r>
-              <a:rPr lang="en-US" smtClean="0"/>
+              <a:rPr lang="en-US"/>
               <a:t>Microsoft Confidential</a:t>
             </a:r>
-            <a:endParaRPr lang="en-US"/>
           </a:p>
         </p:txBody>
       </p:sp>
@@ -3114,38 +3073,37 @@
           <a:p>
             <a:pPr lvl="0"/>
             <a:r>
-              <a:rPr lang="en-US" dirty="0" smtClean="0"/>
+              <a:rPr lang="en-US" dirty="0"/>
               <a:t>Click to edit Master text styles</a:t>
             </a:r>
           </a:p>
           <a:p>
             <a:pPr lvl="1"/>
             <a:r>
-              <a:rPr lang="en-US" dirty="0" smtClean="0"/>
+              <a:rPr lang="en-US" dirty="0"/>
               <a:t>Second level</a:t>
             </a:r>
           </a:p>
           <a:p>
             <a:pPr lvl="2"/>
             <a:r>
-              <a:rPr lang="en-US" dirty="0" smtClean="0"/>
+              <a:rPr lang="en-US" dirty="0"/>
               <a:t>Third level</a:t>
             </a:r>
           </a:p>
           <a:p>
             <a:pPr lvl="3"/>
             <a:r>
-              <a:rPr lang="en-US" dirty="0" smtClean="0"/>
+              <a:rPr lang="en-US" dirty="0"/>
               <a:t>Fourth level</a:t>
             </a:r>
           </a:p>
           <a:p>
             <a:pPr lvl="4"/>
             <a:r>
-              <a:rPr lang="en-US" dirty="0" smtClean="0"/>
+              <a:rPr lang="en-US" dirty="0"/>
               <a:t>Fifth level</a:t>
             </a:r>
-            <a:endParaRPr lang="en-US" dirty="0"/>
           </a:p>
         </p:txBody>
       </p:sp>
@@ -3338,41 +3296,7 @@
                 </a:gradFill>
                 <a:cs typeface="Segoe UI" pitchFamily="34" charset="0"/>
               </a:rPr>
-              <a:t>© </a:t>
-            </a:r>
-            <a:r>
-              <a:rPr lang="en-US" sz="700" dirty="0" smtClean="0">
-                <a:gradFill>
-                  <a:gsLst>
-                    <a:gs pos="12389">
-                      <a:srgbClr val="FFFFFF"/>
-                    </a:gs>
-                    <a:gs pos="54000">
-                      <a:srgbClr val="FFFFFF"/>
-                    </a:gs>
-                  </a:gsLst>
-                  <a:lin ang="5400000" scaled="0"/>
-                </a:gradFill>
-                <a:cs typeface="Segoe UI" pitchFamily="34" charset="0"/>
-              </a:rPr>
-              <a:t>2015 </a:t>
-            </a:r>
-            <a:r>
-              <a:rPr lang="en-US" sz="700" dirty="0">
-                <a:gradFill>
-                  <a:gsLst>
-                    <a:gs pos="12389">
-                      <a:srgbClr val="FFFFFF"/>
-                    </a:gs>
-                    <a:gs pos="54000">
-                      <a:srgbClr val="FFFFFF"/>
-                    </a:gs>
-                  </a:gsLst>
-                  <a:lin ang="5400000" scaled="0"/>
-                </a:gradFill>
-                <a:cs typeface="Segoe UI" pitchFamily="34" charset="0"/>
-              </a:rPr>
-              <a:t>Microsoft Corporation. All rights reserved. </a:t>
+              <a:t>© 2015 Microsoft Corporation. All rights reserved. </a:t>
             </a:r>
           </a:p>
         </p:txBody>
@@ -3420,13 +3344,6 @@
   <p:transition>
     <p:fade/>
   </p:transition>
-  <p:timing>
-    <p:tnLst>
-      <p:par>
-        <p:cTn id="1" dur="indefinite" restart="never" nodeType="tmRoot"/>
-      </p:par>
-    </p:tnLst>
-  </p:timing>
 </p:sldLayout>
 </file>
 
@@ -3492,7 +3409,7 @@
           </a:lstStyle>
           <a:p>
             <a:r>
-              <a:rPr lang="en-US" smtClean="0"/>
+              <a:rPr lang="en-US"/>
               <a:t>Click to edit Master title style</a:t>
             </a:r>
             <a:endParaRPr lang="en-US" dirty="0"/>
@@ -3550,35 +3467,35 @@
           <a:p>
             <a:pPr lvl="0"/>
             <a:r>
-              <a:rPr lang="en-US" smtClean="0"/>
+              <a:rPr lang="en-US"/>
               <a:t>Click to edit Master text styles</a:t>
             </a:r>
           </a:p>
           <a:p>
             <a:pPr lvl="1"/>
             <a:r>
-              <a:rPr lang="en-US" smtClean="0"/>
+              <a:rPr lang="en-US"/>
               <a:t>Second level</a:t>
             </a:r>
           </a:p>
           <a:p>
             <a:pPr lvl="2"/>
             <a:r>
-              <a:rPr lang="en-US" smtClean="0"/>
+              <a:rPr lang="en-US"/>
               <a:t>Third level</a:t>
             </a:r>
           </a:p>
           <a:p>
             <a:pPr lvl="3"/>
             <a:r>
-              <a:rPr lang="en-US" smtClean="0"/>
+              <a:rPr lang="en-US"/>
               <a:t>Fourth level</a:t>
             </a:r>
           </a:p>
           <a:p>
             <a:pPr lvl="4"/>
             <a:r>
-              <a:rPr lang="en-US" smtClean="0"/>
+              <a:rPr lang="en-US"/>
               <a:t>Fifth level</a:t>
             </a:r>
             <a:endParaRPr lang="en-US" dirty="0"/>
@@ -3598,13 +3515,6 @@
   <p:transition>
     <p:fade/>
   </p:transition>
-  <p:timing>
-    <p:tnLst>
-      <p:par>
-        <p:cTn id="1" dur="indefinite" restart="never" nodeType="tmRoot"/>
-      </p:par>
-    </p:tnLst>
-  </p:timing>
 </p:sldLayout>
 </file>
 
@@ -3666,10 +3576,9 @@
           </a:lstStyle>
           <a:p>
             <a:r>
-              <a:rPr lang="en-US" dirty="0" smtClean="0"/>
+              <a:rPr lang="en-US" dirty="0"/>
               <a:t>Headline Basisfarbe</a:t>
             </a:r>
-            <a:endParaRPr lang="en-US" dirty="0"/>
           </a:p>
         </p:txBody>
       </p:sp>
@@ -3683,21 +3592,6 @@
   <p:clrMapOvr>
     <a:masterClrMapping/>
   </p:clrMapOvr>
-  <mc:AlternateContent xmlns:mc="http://schemas.openxmlformats.org/markup-compatibility/2006" xmlns:p14="http://schemas.microsoft.com/office/powerpoint/2010/main">
-    <mc:Choice Requires="p14">
-      <p:transition spd="slow" p14:dur="2000"/>
-    </mc:Choice>
-    <mc:Fallback xmlns="">
-      <p:transition spd="slow"/>
-    </mc:Fallback>
-  </mc:AlternateContent>
-  <p:timing>
-    <p:tnLst>
-      <p:par>
-        <p:cTn id="1" dur="indefinite" restart="never" nodeType="tmRoot"/>
-      </p:par>
-    </p:tnLst>
-  </p:timing>
 </p:sldLayout>
 </file>
 
@@ -3749,10 +3643,9 @@
           <a:lstStyle/>
           <a:p>
             <a:r>
-              <a:rPr lang="en-US" dirty="0" smtClean="0"/>
+              <a:rPr lang="en-US" dirty="0"/>
               <a:t>Click to edit Master title style</a:t>
             </a:r>
-            <a:endParaRPr lang="en-US" dirty="0"/>
           </a:p>
         </p:txBody>
       </p:sp>
@@ -3780,14 +3673,14 @@
           </a:ln>
           <a:extLst>
             <a:ext uri="{909E8E84-426E-40dd-AFC4-6F175D3DCCD1}">
-              <a14:hiddenFill xmlns:a14="http://schemas.microsoft.com/office/drawing/2010/main" xmlns="">
+              <a14:hiddenFill xmlns="" xmlns:a14="http://schemas.microsoft.com/office/drawing/2010/main">
                 <a:solidFill>
                   <a:srgbClr val="FFFFFF"/>
                 </a:solidFill>
               </a14:hiddenFill>
             </a:ext>
             <a:ext uri="{91240B29-F687-4f45-9708-019B960494DF}">
-              <a14:hiddenLine xmlns:a14="http://schemas.microsoft.com/office/drawing/2010/main" xmlns="" w="9525">
+              <a14:hiddenLine xmlns="" xmlns:a14="http://schemas.microsoft.com/office/drawing/2010/main" w="9525">
                 <a:solidFill>
                   <a:srgbClr val="000000"/>
                 </a:solidFill>
@@ -3797,7 +3690,7 @@
               </a14:hiddenLine>
             </a:ext>
             <a:ext uri="{FAA26D3D-D897-4be2-8F04-BA451C77F1D7}">
-              <ma14:placeholderFlag xmlns:ma14="http://schemas.microsoft.com/office/mac/drawingml/2011/main" xmlns="" val="1"/>
+              <ma14:placeholderFlag xmlns="" xmlns:ma14="http://schemas.microsoft.com/office/mac/drawingml/2011/main" val="1"/>
             </a:ext>
           </a:extLst>
         </p:spPr>
@@ -3979,13 +3872,6 @@
   <p:transition>
     <p:fade/>
   </p:transition>
-  <p:timing>
-    <p:tnLst>
-      <p:par>
-        <p:cTn id="1" dur="indefinite" restart="never" nodeType="tmRoot"/>
-      </p:par>
-    </p:tnLst>
-  </p:timing>
   <p:txStyles>
     <p:titleStyle>
       <a:lvl1pPr algn="l" defTabSz="931695" rtl="0" eaLnBrk="0" fontAlgn="base" hangingPunct="0">
@@ -4647,14 +4533,14 @@
           </a:ln>
           <a:extLst>
             <a:ext uri="{909E8E84-426E-40dd-AFC4-6F175D3DCCD1}">
-              <a14:hiddenFill xmlns:a14="http://schemas.microsoft.com/office/drawing/2010/main" xmlns="">
+              <a14:hiddenFill xmlns="" xmlns:a14="http://schemas.microsoft.com/office/drawing/2010/main">
                 <a:solidFill>
                   <a:srgbClr val="FFFFFF"/>
                 </a:solidFill>
               </a14:hiddenFill>
             </a:ext>
             <a:ext uri="{91240B29-F687-4f45-9708-019B960494DF}">
-              <a14:hiddenLine xmlns:a14="http://schemas.microsoft.com/office/drawing/2010/main" xmlns="" w="9525">
+              <a14:hiddenLine xmlns="" xmlns:a14="http://schemas.microsoft.com/office/drawing/2010/main" w="9525">
                 <a:solidFill>
                   <a:srgbClr val="000000"/>
                 </a:solidFill>
@@ -4803,20 +4689,10 @@
                 <a:latin typeface="Segoe UI Light" charset="0"/>
                 <a:cs typeface="Segoe UI" charset="0"/>
               </a:rPr>
-              <a:t>Peter </a:t>
-            </a:r>
-            <a:r>
-              <a:rPr lang="de-DE" sz="2200" dirty="0" smtClean="0">
-                <a:solidFill>
-                  <a:srgbClr val="FFFFFF"/>
-                </a:solidFill>
-                <a:latin typeface="Segoe UI Light" charset="0"/>
-                <a:cs typeface="Segoe UI" charset="0"/>
-              </a:rPr>
-              <a:t>Kirchner</a:t>
+              <a:t>Peter Kirchner</a:t>
             </a:r>
             <a:br>
-              <a:rPr lang="de-DE" sz="2200" dirty="0" smtClean="0">
+              <a:rPr lang="de-DE" sz="2200" dirty="0">
                 <a:solidFill>
                   <a:srgbClr val="FFFFFF"/>
                 </a:solidFill>
@@ -4825,7 +4701,7 @@
               </a:rPr>
             </a:br>
             <a:r>
-              <a:rPr lang="de-DE" sz="2200" dirty="0" smtClean="0">
+              <a:rPr lang="de-DE" sz="2200" dirty="0">
                 <a:solidFill>
                   <a:srgbClr val="FFFFFF"/>
                 </a:solidFill>
@@ -4835,7 +4711,7 @@
               <a:t>Technical Evangelist</a:t>
             </a:r>
             <a:br>
-              <a:rPr lang="de-DE" sz="2200" dirty="0" smtClean="0">
+              <a:rPr lang="de-DE" sz="2200" dirty="0">
                 <a:solidFill>
                   <a:srgbClr val="FFFFFF"/>
                 </a:solidFill>
@@ -4844,16 +4720,6 @@
               </a:rPr>
             </a:br>
             <a:r>
-              <a:rPr lang="de-DE" sz="2200" dirty="0" smtClean="0">
-                <a:solidFill>
-                  <a:srgbClr val="FFFFFF"/>
-                </a:solidFill>
-                <a:latin typeface="Segoe UI Light" charset="0"/>
-                <a:cs typeface="Segoe UI" charset="0"/>
-              </a:rPr>
-              <a:t>Microsoft </a:t>
-            </a:r>
-            <a:r>
               <a:rPr lang="de-DE" sz="2200" dirty="0">
                 <a:solidFill>
                   <a:srgbClr val="FFFFFF"/>
@@ -4861,7 +4727,7 @@
                 <a:latin typeface="Segoe UI Light" charset="0"/>
                 <a:cs typeface="Segoe UI" charset="0"/>
               </a:rPr>
-              <a:t>Deutschland GmbH</a:t>
+              <a:t>Microsoft Deutschland GmbH</a:t>
             </a:r>
           </a:p>
         </p:txBody>
@@ -5066,7 +4932,7 @@
               <a:defRPr/>
             </a:pPr>
             <a:r>
-              <a:rPr sz="4400" spc="0" dirty="0" err="1" smtClean="0">
+              <a:rPr sz="4400" spc="0" dirty="0" err="1">
                 <a:solidFill>
                   <a:srgbClr val="FFFFFF"/>
                 </a:solidFill>
@@ -5075,7 +4941,7 @@
               <a:t>Kosten</a:t>
             </a:r>
             <a:r>
-              <a:rPr sz="4400" spc="0" dirty="0" smtClean="0">
+              <a:rPr sz="4400" spc="0" dirty="0">
                 <a:solidFill>
                   <a:srgbClr val="FFFFFF"/>
                 </a:solidFill>
@@ -5083,12 +4949,6 @@
               </a:rPr>
               <a:t> &amp; Sicherheit</a:t>
             </a:r>
-            <a:endParaRPr sz="4400" spc="0" dirty="0">
-              <a:solidFill>
-                <a:srgbClr val="FFFFFF"/>
-              </a:solidFill>
-              <a:cs typeface="Segoe UI Light"/>
-            </a:endParaRPr>
           </a:p>
         </p:txBody>
       </p:sp>
@@ -5313,13 +5173,6 @@
   <p:transition>
     <p:fade/>
   </p:transition>
-  <p:timing>
-    <p:tnLst>
-      <p:par>
-        <p:cTn id="1" dur="indefinite" restart="never" nodeType="tmRoot"/>
-      </p:par>
-    </p:tnLst>
-  </p:timing>
 </p:sld>
 </file>
 
@@ -5362,13 +5215,6 @@
       </p:transition>
     </mc:Fallback>
   </mc:AlternateContent>
-  <p:timing>
-    <p:tnLst>
-      <p:par>
-        <p:cTn id="1" dur="indefinite" restart="never" nodeType="tmRoot"/>
-      </p:par>
-    </p:tnLst>
-  </p:timing>
 </p:sld>
 </file>
 
@@ -5501,7 +5347,7 @@
               </a:lnSpc>
             </a:pPr>
             <a:r>
-              <a:rPr lang="en-US" sz="1400" b="1" kern="0" dirty="0" smtClean="0">
+              <a:rPr lang="en-US" sz="1400" b="1" kern="0" dirty="0">
                 <a:solidFill>
                   <a:srgbClr val="FFFF00"/>
                 </a:solidFill>
@@ -5510,13 +5356,6 @@
               </a:rPr>
               <a:t>Platform Services</a:t>
             </a:r>
-            <a:endParaRPr lang="en-US" sz="1400" b="1" kern="0" dirty="0">
-              <a:solidFill>
-                <a:srgbClr val="FFFF00"/>
-              </a:solidFill>
-              <a:ea typeface="Segoe UI" pitchFamily="34" charset="0"/>
-              <a:cs typeface="Segoe UI" pitchFamily="34" charset="0"/>
-            </a:endParaRPr>
           </a:p>
         </p:txBody>
       </p:sp>
@@ -5561,7 +5400,7 @@
               </a:lnSpc>
             </a:pPr>
             <a:r>
-              <a:rPr lang="en-US" sz="1400" b="1" kern="0" dirty="0" smtClean="0">
+              <a:rPr lang="en-US" sz="1400" b="1" kern="0" dirty="0">
                 <a:solidFill>
                   <a:schemeClr val="bg1"/>
                 </a:solidFill>
@@ -5570,13 +5409,6 @@
               </a:rPr>
               <a:t>Security &amp; Management</a:t>
             </a:r>
-            <a:endParaRPr lang="en-US" sz="1400" b="1" kern="0" dirty="0">
-              <a:solidFill>
-                <a:schemeClr val="bg1"/>
-              </a:solidFill>
-              <a:ea typeface="Segoe UI" pitchFamily="34" charset="0"/>
-              <a:cs typeface="Segoe UI" pitchFamily="34" charset="0"/>
-            </a:endParaRPr>
           </a:p>
         </p:txBody>
       </p:sp>
@@ -5623,7 +5455,7 @@
               </a:lnSpc>
             </a:pPr>
             <a:r>
-              <a:rPr lang="en-US" sz="1400" b="1" kern="0" dirty="0" smtClean="0">
+              <a:rPr lang="en-US" sz="1400" b="1" kern="0" dirty="0">
                 <a:solidFill>
                   <a:srgbClr val="FFFF00"/>
                 </a:solidFill>
@@ -5632,13 +5464,6 @@
               </a:rPr>
               <a:t>Infrastructure Services</a:t>
             </a:r>
-            <a:endParaRPr lang="en-US" sz="1400" b="1" kern="0" dirty="0">
-              <a:solidFill>
-                <a:srgbClr val="FFFF00"/>
-              </a:solidFill>
-              <a:ea typeface="Segoe UI" pitchFamily="34" charset="0"/>
-              <a:cs typeface="Segoe UI" pitchFamily="34" charset="0"/>
-            </a:endParaRPr>
           </a:p>
         </p:txBody>
       </p:sp>
@@ -5683,7 +5508,7 @@
               </a:lnSpc>
             </a:pPr>
             <a:r>
-              <a:rPr lang="en-US" sz="1200" b="1" kern="0" dirty="0" smtClean="0">
+              <a:rPr lang="en-US" sz="1200" b="1" kern="0" dirty="0">
                 <a:gradFill>
                   <a:gsLst>
                     <a:gs pos="0">
@@ -5700,21 +5525,6 @@
               </a:rPr>
               <a:t>Compute</a:t>
             </a:r>
-            <a:endParaRPr lang="en-US" sz="1200" b="1" kern="0" dirty="0">
-              <a:gradFill>
-                <a:gsLst>
-                  <a:gs pos="0">
-                    <a:srgbClr val="FFFFFF"/>
-                  </a:gs>
-                  <a:gs pos="100000">
-                    <a:srgbClr val="FFFFFF"/>
-                  </a:gs>
-                </a:gsLst>
-                <a:lin ang="5400000" scaled="0"/>
-              </a:gradFill>
-              <a:ea typeface="Segoe UI" pitchFamily="34" charset="0"/>
-              <a:cs typeface="Segoe UI" pitchFamily="34" charset="0"/>
-            </a:endParaRPr>
           </a:p>
         </p:txBody>
       </p:sp>
@@ -5759,7 +5569,7 @@
               </a:lnSpc>
             </a:pPr>
             <a:r>
-              <a:rPr lang="en-US" sz="1200" b="1" kern="0" dirty="0" smtClean="0">
+              <a:rPr lang="en-US" sz="1200" b="1" kern="0" dirty="0">
                 <a:gradFill>
                   <a:gsLst>
                     <a:gs pos="0">
@@ -5776,21 +5586,6 @@
               </a:rPr>
               <a:t>Storage</a:t>
             </a:r>
-            <a:endParaRPr lang="en-US" sz="1200" b="1" kern="0" dirty="0">
-              <a:gradFill>
-                <a:gsLst>
-                  <a:gs pos="0">
-                    <a:srgbClr val="FFFFFF"/>
-                  </a:gs>
-                  <a:gs pos="100000">
-                    <a:srgbClr val="FFFFFF"/>
-                  </a:gs>
-                </a:gsLst>
-                <a:lin ang="5400000" scaled="0"/>
-              </a:gradFill>
-              <a:ea typeface="Segoe UI" pitchFamily="34" charset="0"/>
-              <a:cs typeface="Segoe UI" pitchFamily="34" charset="0"/>
-            </a:endParaRPr>
           </a:p>
         </p:txBody>
       </p:sp>
@@ -5835,7 +5630,7 @@
               </a:lnSpc>
             </a:pPr>
             <a:r>
-              <a:rPr lang="en-US" sz="1400" b="1" kern="0" dirty="0" smtClean="0">
+              <a:rPr lang="en-US" sz="1400" b="1" kern="0" dirty="0">
                 <a:gradFill>
                   <a:gsLst>
                     <a:gs pos="0">
@@ -5852,21 +5647,6 @@
               </a:rPr>
               <a:t>Datacenter Infrastructure (24 Regions, 22 Online)</a:t>
             </a:r>
-            <a:endParaRPr lang="en-US" sz="1400" b="1" kern="0" dirty="0">
-              <a:gradFill>
-                <a:gsLst>
-                  <a:gs pos="0">
-                    <a:srgbClr val="FFFFFF"/>
-                  </a:gs>
-                  <a:gs pos="100000">
-                    <a:srgbClr val="FFFFFF"/>
-                  </a:gs>
-                </a:gsLst>
-                <a:lin ang="5400000" scaled="0"/>
-              </a:gradFill>
-              <a:ea typeface="Segoe UI" pitchFamily="34" charset="0"/>
-              <a:cs typeface="Segoe UI" pitchFamily="34" charset="0"/>
-            </a:endParaRPr>
           </a:p>
         </p:txBody>
       </p:sp>
@@ -6436,7 +6216,7 @@
                 </a:lnSpc>
               </a:pPr>
               <a:r>
-                <a:rPr lang="en-US" sz="1200" b="1" kern="0" dirty="0" smtClean="0">
+                <a:rPr lang="en-US" sz="1200" b="1" kern="0" dirty="0">
                   <a:gradFill>
                     <a:gsLst>
                       <a:gs pos="0">
@@ -6453,21 +6233,6 @@
                 </a:rPr>
                 <a:t>Web and Mobile</a:t>
               </a:r>
-              <a:endParaRPr lang="en-US" sz="1200" b="1" kern="0" dirty="0">
-                <a:gradFill>
-                  <a:gsLst>
-                    <a:gs pos="0">
-                      <a:srgbClr val="FFFFFF"/>
-                    </a:gs>
-                    <a:gs pos="100000">
-                      <a:srgbClr val="FFFFFF"/>
-                    </a:gs>
-                  </a:gsLst>
-                  <a:lin ang="5400000" scaled="0"/>
-                </a:gradFill>
-                <a:ea typeface="Segoe UI" pitchFamily="34" charset="0"/>
-                <a:cs typeface="Segoe UI" pitchFamily="34" charset="0"/>
-              </a:endParaRPr>
             </a:p>
           </p:txBody>
         </p:sp>
@@ -7223,7 +6988,7 @@
                 </a:lnSpc>
               </a:pPr>
               <a:r>
-                <a:rPr lang="en-US" sz="1200" b="1" kern="0" dirty="0" smtClean="0">
+                <a:rPr lang="en-US" sz="1200" b="1" kern="0" dirty="0">
                   <a:gradFill>
                     <a:gsLst>
                       <a:gs pos="0">
@@ -7240,21 +7005,6 @@
                 </a:rPr>
                 <a:t>Media &amp; CDN</a:t>
               </a:r>
-              <a:endParaRPr lang="en-US" sz="1200" b="1" kern="0" dirty="0">
-                <a:gradFill>
-                  <a:gsLst>
-                    <a:gs pos="0">
-                      <a:srgbClr val="FFFFFF"/>
-                    </a:gs>
-                    <a:gs pos="100000">
-                      <a:srgbClr val="FFFFFF"/>
-                    </a:gs>
-                  </a:gsLst>
-                  <a:lin ang="5400000" scaled="0"/>
-                </a:gradFill>
-                <a:ea typeface="Segoe UI" pitchFamily="34" charset="0"/>
-                <a:cs typeface="Segoe UI" pitchFamily="34" charset="0"/>
-              </a:endParaRPr>
             </a:p>
           </p:txBody>
         </p:sp>
@@ -7554,7 +7304,7 @@
                 </a:lnSpc>
               </a:pPr>
               <a:r>
-                <a:rPr lang="en-US" sz="1200" b="1" kern="0" dirty="0" smtClean="0">
+                <a:rPr lang="en-US" sz="1200" b="1" kern="0" dirty="0">
                   <a:gradFill>
                     <a:gsLst>
                       <a:gs pos="0">
@@ -7572,7 +7322,7 @@
                 <a:t>Analytics &amp; </a:t>
               </a:r>
               <a:r>
-                <a:rPr lang="en-US" sz="1200" b="1" kern="0" dirty="0" err="1" smtClean="0">
+                <a:rPr lang="en-US" sz="1200" b="1" kern="0" dirty="0" err="1">
                   <a:gradFill>
                     <a:gsLst>
                       <a:gs pos="0">
@@ -8795,7 +8545,7 @@
                 </a:spcAft>
               </a:pPr>
               <a:r>
-                <a:rPr lang="en-US" sz="765" dirty="0" smtClean="0">
+                <a:rPr lang="en-US" sz="765" dirty="0">
                   <a:solidFill>
                     <a:prstClr val="white"/>
                   </a:solidFill>
@@ -8805,14 +8555,6 @@
                 </a:rPr>
                 <a:t>Key Vault</a:t>
               </a:r>
-              <a:endParaRPr lang="en-US" sz="765" dirty="0">
-                <a:solidFill>
-                  <a:prstClr val="white"/>
-                </a:solidFill>
-                <a:latin typeface="Segoe UI Light" panose="020B0502040204020203" pitchFamily="34" charset="0"/>
-                <a:ea typeface="Arial Unicode MS" panose="020B0604020202020204" pitchFamily="34" charset="-128"/>
-                <a:cs typeface="Segoe UI Light" panose="020B0502040204020203" pitchFamily="34" charset="0"/>
-              </a:endParaRPr>
             </a:p>
           </p:txBody>
         </p:sp>
@@ -8902,7 +8644,7 @@
                 </a:lnSpc>
               </a:pPr>
               <a:r>
-                <a:rPr lang="en-US" sz="1200" b="1" kern="0" dirty="0" smtClean="0">
+                <a:rPr lang="en-US" sz="1200" b="1" kern="0" dirty="0">
                   <a:gradFill>
                     <a:gsLst>
                       <a:gs pos="0">
@@ -8919,21 +8661,6 @@
                 </a:rPr>
                 <a:t>Integration</a:t>
               </a:r>
-              <a:endParaRPr lang="en-US" sz="1200" b="1" kern="0" dirty="0">
-                <a:gradFill>
-                  <a:gsLst>
-                    <a:gs pos="0">
-                      <a:srgbClr val="FFFFFF"/>
-                    </a:gs>
-                    <a:gs pos="100000">
-                      <a:srgbClr val="FFFFFF"/>
-                    </a:gs>
-                  </a:gsLst>
-                  <a:lin ang="5400000" scaled="0"/>
-                </a:gradFill>
-                <a:ea typeface="Segoe UI" pitchFamily="34" charset="0"/>
-                <a:cs typeface="Segoe UI" pitchFamily="34" charset="0"/>
-              </a:endParaRPr>
             </a:p>
           </p:txBody>
         </p:sp>
@@ -10101,7 +9828,7 @@
               </a:lnSpc>
             </a:pPr>
             <a:r>
-              <a:rPr lang="en-US" sz="1200" b="1" kern="0" dirty="0" smtClean="0">
+              <a:rPr lang="en-US" sz="1200" b="1" kern="0" dirty="0">
                 <a:gradFill>
                   <a:gsLst>
                     <a:gs pos="0">
@@ -10118,21 +9845,6 @@
               </a:rPr>
               <a:t>Networking</a:t>
             </a:r>
-            <a:endParaRPr lang="en-US" sz="1200" b="1" kern="0" dirty="0">
-              <a:gradFill>
-                <a:gsLst>
-                  <a:gs pos="0">
-                    <a:srgbClr val="FFFFFF"/>
-                  </a:gs>
-                  <a:gs pos="100000">
-                    <a:srgbClr val="FFFFFF"/>
-                  </a:gs>
-                </a:gsLst>
-                <a:lin ang="5400000" scaled="0"/>
-              </a:gradFill>
-              <a:ea typeface="Segoe UI" pitchFamily="34" charset="0"/>
-              <a:cs typeface="Segoe UI" pitchFamily="34" charset="0"/>
-            </a:endParaRPr>
           </a:p>
         </p:txBody>
       </p:sp>
@@ -10191,7 +9903,7 @@
                 </a:lnSpc>
               </a:pPr>
               <a:r>
-                <a:rPr lang="en-US" sz="1200" b="1" kern="0" dirty="0" smtClean="0">
+                <a:rPr lang="en-US" sz="1200" b="1" kern="0" dirty="0">
                   <a:gradFill>
                     <a:gsLst>
                       <a:gs pos="0">
@@ -10208,21 +9920,6 @@
                 </a:rPr>
                 <a:t>Data</a:t>
               </a:r>
-              <a:endParaRPr lang="en-US" sz="1200" b="1" kern="0" dirty="0">
-                <a:gradFill>
-                  <a:gsLst>
-                    <a:gs pos="0">
-                      <a:srgbClr val="FFFFFF"/>
-                    </a:gs>
-                    <a:gs pos="100000">
-                      <a:srgbClr val="FFFFFF"/>
-                    </a:gs>
-                  </a:gsLst>
-                  <a:lin ang="5400000" scaled="0"/>
-                </a:gradFill>
-                <a:ea typeface="Segoe UI" pitchFamily="34" charset="0"/>
-                <a:cs typeface="Segoe UI" pitchFamily="34" charset="0"/>
-              </a:endParaRPr>
             </a:p>
           </p:txBody>
         </p:sp>
@@ -10866,7 +10563,7 @@
                   </a:spcAft>
                 </a:pPr>
                 <a:r>
-                  <a:rPr lang="en-US" sz="765" dirty="0" smtClean="0">
+                  <a:rPr lang="en-US" sz="765" dirty="0">
                     <a:solidFill>
                       <a:prstClr val="white"/>
                     </a:solidFill>
@@ -10890,7 +10587,7 @@
                   </a:spcAft>
                 </a:pPr>
                 <a:r>
-                  <a:rPr lang="en-US" sz="765" dirty="0" smtClean="0">
+                  <a:rPr lang="en-US" sz="765" dirty="0">
                     <a:solidFill>
                       <a:prstClr val="white"/>
                     </a:solidFill>
@@ -10900,14 +10597,6 @@
                   </a:rPr>
                   <a:t>Warehouse</a:t>
                 </a:r>
-                <a:endParaRPr lang="en-US" sz="765" dirty="0">
-                  <a:solidFill>
-                    <a:prstClr val="white"/>
-                  </a:solidFill>
-                  <a:latin typeface="Segoe UI Light" panose="020B0502040204020203" pitchFamily="34" charset="0"/>
-                  <a:ea typeface="Arial Unicode MS" panose="020B0604020202020204" pitchFamily="34" charset="-128"/>
-                  <a:cs typeface="Segoe UI Light" panose="020B0502040204020203" pitchFamily="34" charset="0"/>
-                </a:endParaRPr>
               </a:p>
             </p:txBody>
           </p:sp>
@@ -11097,7 +10786,7 @@
                 </a:spcAft>
               </a:pPr>
               <a:r>
-                <a:rPr lang="en-US" sz="765" dirty="0" smtClean="0">
+                <a:rPr lang="en-US" sz="765" dirty="0">
                   <a:solidFill>
                     <a:prstClr val="white"/>
                   </a:solidFill>
@@ -11121,7 +10810,7 @@
                 </a:spcAft>
               </a:pPr>
               <a:r>
-                <a:rPr lang="en-US" sz="765" dirty="0" smtClean="0">
+                <a:rPr lang="en-US" sz="765" dirty="0">
                   <a:solidFill>
                     <a:prstClr val="white"/>
                   </a:solidFill>
@@ -11131,14 +10820,6 @@
                 </a:rPr>
                 <a:t>Connect Health</a:t>
               </a:r>
-              <a:endParaRPr lang="en-US" sz="765" dirty="0">
-                <a:solidFill>
-                  <a:prstClr val="white"/>
-                </a:solidFill>
-                <a:latin typeface="Segoe UI Light" panose="020B0502040204020203" pitchFamily="34" charset="0"/>
-                <a:ea typeface="Arial Unicode MS" panose="020B0604020202020204" pitchFamily="34" charset="-128"/>
-                <a:cs typeface="Segoe UI Light" panose="020B0502040204020203" pitchFamily="34" charset="0"/>
-              </a:endParaRPr>
             </a:p>
           </p:txBody>
         </p:sp>
@@ -11247,7 +10928,7 @@
                     <a:spcPct val="0"/>
                   </a:spcAft>
                 </a:pPr>
-                <a:endParaRPr lang="en-US" sz="2000" b="1" dirty="0" smtClean="0">
+                <a:endParaRPr lang="en-US" sz="2000" b="1" dirty="0">
                   <a:solidFill>
                     <a:schemeClr val="bg1"/>
                   </a:solidFill>
@@ -12075,7 +11756,7 @@
                 </a:lnSpc>
               </a:pPr>
               <a:r>
-                <a:rPr lang="en-US" sz="800" kern="0" dirty="0" smtClean="0">
+                <a:rPr lang="en-US" sz="800" kern="0" dirty="0">
                   <a:gradFill>
                     <a:gsLst>
                       <a:gs pos="0">
@@ -12092,21 +11773,6 @@
                 </a:rPr>
                 <a:t>Virtual Machines</a:t>
               </a:r>
-              <a:endParaRPr lang="en-US" sz="800" kern="0" dirty="0">
-                <a:gradFill>
-                  <a:gsLst>
-                    <a:gs pos="0">
-                      <a:srgbClr val="FFFFFF"/>
-                    </a:gs>
-                    <a:gs pos="100000">
-                      <a:srgbClr val="FFFFFF"/>
-                    </a:gs>
-                  </a:gsLst>
-                  <a:lin ang="5400000" scaled="0"/>
-                </a:gradFill>
-                <a:ea typeface="Segoe UI" pitchFamily="34" charset="0"/>
-                <a:cs typeface="Segoe UI" pitchFamily="34" charset="0"/>
-              </a:endParaRPr>
             </a:p>
           </p:txBody>
         </p:sp>
@@ -12196,7 +11862,7 @@
                 </a:spcAft>
               </a:pPr>
               <a:r>
-                <a:rPr lang="en-US" sz="765" dirty="0" smtClean="0">
+                <a:rPr lang="en-US" sz="765" dirty="0">
                   <a:solidFill>
                     <a:prstClr val="white"/>
                   </a:solidFill>
@@ -12220,7 +11886,7 @@
                 </a:spcAft>
               </a:pPr>
               <a:r>
-                <a:rPr lang="en-US" sz="765" dirty="0" smtClean="0">
+                <a:rPr lang="en-US" sz="765" dirty="0">
                   <a:solidFill>
                     <a:prstClr val="white"/>
                   </a:solidFill>
@@ -12244,7 +11910,7 @@
                 </a:spcAft>
               </a:pPr>
               <a:r>
-                <a:rPr lang="en-US" sz="765" dirty="0" smtClean="0">
+                <a:rPr lang="en-US" sz="765" dirty="0">
                   <a:solidFill>
                     <a:prstClr val="white"/>
                   </a:solidFill>
@@ -12254,14 +11920,6 @@
                 </a:rPr>
                 <a:t>Management</a:t>
               </a:r>
-              <a:endParaRPr lang="en-US" sz="765" dirty="0">
-                <a:solidFill>
-                  <a:prstClr val="white"/>
-                </a:solidFill>
-                <a:latin typeface="Segoe UI Light" panose="020B0502040204020203" pitchFamily="34" charset="0"/>
-                <a:ea typeface="Arial Unicode MS" panose="020B0604020202020204" pitchFamily="34" charset="-128"/>
-                <a:cs typeface="Segoe UI Light" panose="020B0502040204020203" pitchFamily="34" charset="0"/>
-              </a:endParaRPr>
             </a:p>
           </p:txBody>
         </p:sp>
@@ -12859,7 +12517,7 @@
                   <a:spcPct val="0"/>
                 </a:spcAft>
               </a:pPr>
-              <a:endParaRPr lang="en-US" sz="2000" b="1" dirty="0" smtClean="0">
+              <a:endParaRPr lang="en-US" sz="2000" b="1" dirty="0">
                 <a:solidFill>
                   <a:schemeClr val="bg1"/>
                 </a:solidFill>
@@ -13046,7 +12704,7 @@
                 </a:lnSpc>
               </a:pPr>
               <a:r>
-                <a:rPr lang="en-US" sz="1200" b="1" kern="0" dirty="0" smtClean="0">
+                <a:rPr lang="en-US" sz="1200" b="1" kern="0" dirty="0">
                   <a:gradFill>
                     <a:gsLst>
                       <a:gs pos="0">
@@ -13063,21 +12721,6 @@
                 </a:rPr>
                 <a:t>Compute</a:t>
               </a:r>
-              <a:endParaRPr lang="en-US" sz="1200" b="1" kern="0" dirty="0">
-                <a:gradFill>
-                  <a:gsLst>
-                    <a:gs pos="0">
-                      <a:srgbClr val="FFFFFF"/>
-                    </a:gs>
-                    <a:gs pos="100000">
-                      <a:srgbClr val="FFFFFF"/>
-                    </a:gs>
-                  </a:gsLst>
-                  <a:lin ang="5400000" scaled="0"/>
-                </a:gradFill>
-                <a:ea typeface="Segoe UI" pitchFamily="34" charset="0"/>
-                <a:cs typeface="Segoe UI" pitchFamily="34" charset="0"/>
-              </a:endParaRPr>
             </a:p>
           </p:txBody>
         </p:sp>
@@ -13430,7 +13073,7 @@
                 </a:spcAft>
               </a:pPr>
               <a:r>
-                <a:rPr lang="en-US" sz="765" dirty="0" smtClean="0">
+                <a:rPr lang="en-US" sz="765" dirty="0">
                   <a:solidFill>
                     <a:prstClr val="white"/>
                   </a:solidFill>
@@ -13440,14 +13083,6 @@
                 </a:rPr>
                 <a:t>Service</a:t>
               </a:r>
-              <a:endParaRPr lang="en-US" sz="765" dirty="0">
-                <a:solidFill>
-                  <a:prstClr val="white"/>
-                </a:solidFill>
-                <a:latin typeface="Segoe UI Light" panose="020B0502040204020203" pitchFamily="34" charset="0"/>
-                <a:ea typeface="Arial Unicode MS" panose="020B0604020202020204" pitchFamily="34" charset="-128"/>
-                <a:cs typeface="Segoe UI Light" panose="020B0502040204020203" pitchFamily="34" charset="0"/>
-              </a:endParaRPr>
             </a:p>
             <a:p>
               <a:pPr defTabSz="932317" eaLnBrk="0" fontAlgn="base" hangingPunct="0">
@@ -13462,7 +13097,7 @@
                 </a:spcAft>
               </a:pPr>
               <a:r>
-                <a:rPr lang="en-US" sz="765" dirty="0" smtClean="0">
+                <a:rPr lang="en-US" sz="765" dirty="0">
                   <a:solidFill>
                     <a:prstClr val="white"/>
                   </a:solidFill>
@@ -13472,14 +13107,6 @@
                 </a:rPr>
                 <a:t>Fabric</a:t>
               </a:r>
-              <a:endParaRPr lang="en-US" sz="765" dirty="0">
-                <a:solidFill>
-                  <a:prstClr val="white"/>
-                </a:solidFill>
-                <a:latin typeface="Segoe UI Light" panose="020B0502040204020203" pitchFamily="34" charset="0"/>
-                <a:ea typeface="Arial Unicode MS" panose="020B0604020202020204" pitchFamily="34" charset="-128"/>
-                <a:cs typeface="Segoe UI Light" panose="020B0502040204020203" pitchFamily="34" charset="0"/>
-              </a:endParaRPr>
             </a:p>
           </p:txBody>
         </p:sp>
@@ -14003,7 +13630,7 @@
                   <a:spcPct val="0"/>
                 </a:spcAft>
               </a:pPr>
-              <a:endParaRPr lang="en-US" sz="2000" b="1" dirty="0" smtClean="0">
+              <a:endParaRPr lang="en-US" sz="2000" b="1" dirty="0">
                 <a:solidFill>
                   <a:schemeClr val="bg1"/>
                 </a:solidFill>
@@ -14070,7 +13697,7 @@
                 </a:lnSpc>
               </a:pPr>
               <a:r>
-                <a:rPr lang="en-US" sz="1200" b="1" kern="0" dirty="0" smtClean="0">
+                <a:rPr lang="en-US" sz="1200" b="1" kern="0" dirty="0">
                   <a:gradFill>
                     <a:gsLst>
                       <a:gs pos="0">
@@ -14087,21 +13714,6 @@
                 </a:rPr>
                 <a:t>Developer Services</a:t>
               </a:r>
-              <a:endParaRPr lang="en-US" sz="1200" b="1" kern="0" dirty="0">
-                <a:gradFill>
-                  <a:gsLst>
-                    <a:gs pos="0">
-                      <a:srgbClr val="FFFFFF"/>
-                    </a:gs>
-                    <a:gs pos="100000">
-                      <a:srgbClr val="FFFFFF"/>
-                    </a:gs>
-                  </a:gsLst>
-                  <a:lin ang="5400000" scaled="0"/>
-                </a:gradFill>
-                <a:ea typeface="Segoe UI" pitchFamily="34" charset="0"/>
-                <a:cs typeface="Segoe UI" pitchFamily="34" charset="0"/>
-              </a:endParaRPr>
             </a:p>
           </p:txBody>
         </p:sp>
@@ -14164,27 +13776,8 @@
                     <a:ea typeface="Arial Unicode MS" panose="020B0604020202020204" pitchFamily="34" charset="-128"/>
                     <a:cs typeface="Segoe UI Light" panose="020B0502040204020203" pitchFamily="34" charset="0"/>
                   </a:rPr>
-                  <a:t>Visual </a:t>
+                  <a:t>Visual Studio</a:t>
                 </a:r>
-                <a:r>
-                  <a:rPr lang="en-US" sz="765" dirty="0" smtClean="0">
-                    <a:solidFill>
-                      <a:prstClr val="white"/>
-                    </a:solidFill>
-                    <a:latin typeface="Segoe UI Light" panose="020B0502040204020203" pitchFamily="34" charset="0"/>
-                    <a:ea typeface="Arial Unicode MS" panose="020B0604020202020204" pitchFamily="34" charset="-128"/>
-                    <a:cs typeface="Segoe UI Light" panose="020B0502040204020203" pitchFamily="34" charset="0"/>
-                  </a:rPr>
-                  <a:t>Studio</a:t>
-                </a:r>
-                <a:endParaRPr lang="en-US" sz="765" dirty="0">
-                  <a:solidFill>
-                    <a:prstClr val="white"/>
-                  </a:solidFill>
-                  <a:latin typeface="Segoe UI Light" panose="020B0502040204020203" pitchFamily="34" charset="0"/>
-                  <a:ea typeface="Arial Unicode MS" panose="020B0604020202020204" pitchFamily="34" charset="-128"/>
-                  <a:cs typeface="Segoe UI Light" panose="020B0502040204020203" pitchFamily="34" charset="0"/>
-                </a:endParaRPr>
               </a:p>
             </p:txBody>
           </p:sp>
@@ -14422,7 +14015,7 @@
                   </a:spcAft>
                 </a:pPr>
                 <a:r>
-                  <a:rPr lang="en-US" sz="765" dirty="0" smtClean="0">
+                  <a:rPr lang="en-US" sz="765" dirty="0">
                     <a:solidFill>
                       <a:prstClr val="white"/>
                     </a:solidFill>
@@ -14432,14 +14025,6 @@
                   </a:rPr>
                   <a:t>Azure SDK</a:t>
                 </a:r>
-                <a:endParaRPr lang="en-US" sz="765" dirty="0">
-                  <a:solidFill>
-                    <a:prstClr val="white"/>
-                  </a:solidFill>
-                  <a:latin typeface="Segoe UI Light" panose="020B0502040204020203" pitchFamily="34" charset="0"/>
-                  <a:ea typeface="Arial Unicode MS" panose="020B0604020202020204" pitchFamily="34" charset="-128"/>
-                  <a:cs typeface="Segoe UI Light" panose="020B0502040204020203" pitchFamily="34" charset="0"/>
-                </a:endParaRPr>
               </a:p>
             </p:txBody>
           </p:sp>
@@ -14495,7 +14080,7 @@
                   </a:spcAft>
                 </a:pPr>
                 <a:r>
-                  <a:rPr lang="en-US" sz="765" dirty="0" smtClean="0">
+                  <a:rPr lang="en-US" sz="765" dirty="0">
                     <a:solidFill>
                       <a:prstClr val="white"/>
                     </a:solidFill>
@@ -14505,14 +14090,6 @@
                   </a:rPr>
                   <a:t>Team Project</a:t>
                 </a:r>
-                <a:endParaRPr lang="en-US" sz="765" dirty="0">
-                  <a:solidFill>
-                    <a:prstClr val="white"/>
-                  </a:solidFill>
-                  <a:latin typeface="Segoe UI Light" panose="020B0502040204020203" pitchFamily="34" charset="0"/>
-                  <a:ea typeface="Arial Unicode MS" panose="020B0604020202020204" pitchFamily="34" charset="-128"/>
-                  <a:cs typeface="Segoe UI Light" panose="020B0502040204020203" pitchFamily="34" charset="0"/>
-                </a:endParaRPr>
               </a:p>
             </p:txBody>
           </p:sp>
@@ -14892,7 +14469,7 @@
                     <a:spcPct val="0"/>
                   </a:spcAft>
                 </a:pPr>
-                <a:endParaRPr lang="en-US" sz="2000" b="1" dirty="0" smtClean="0">
+                <a:endParaRPr lang="en-US" sz="2000" b="1" dirty="0">
                   <a:solidFill>
                     <a:schemeClr val="bg1"/>
                   </a:solidFill>
@@ -15073,7 +14650,7 @@
                       <a:spcPct val="0"/>
                     </a:spcAft>
                   </a:pPr>
-                  <a:endParaRPr lang="en-US" sz="2000" b="1" dirty="0" smtClean="0">
+                  <a:endParaRPr lang="en-US" sz="2000" b="1" dirty="0">
                     <a:solidFill>
                       <a:schemeClr val="bg1"/>
                     </a:solidFill>
@@ -15140,7 +14717,7 @@
                       <a:spcPct val="0"/>
                     </a:spcAft>
                   </a:pPr>
-                  <a:endParaRPr lang="en-US" sz="2000" b="1" dirty="0" smtClean="0">
+                  <a:endParaRPr lang="en-US" sz="2000" b="1" dirty="0">
                     <a:solidFill>
                       <a:schemeClr val="bg1"/>
                     </a:solidFill>
@@ -15213,7 +14790,7 @@
                       <a:spcPct val="0"/>
                     </a:spcAft>
                   </a:pPr>
-                  <a:endParaRPr lang="en-US" sz="2000" b="1" dirty="0" smtClean="0">
+                  <a:endParaRPr lang="en-US" sz="2000" b="1" dirty="0">
                     <a:solidFill>
                       <a:schemeClr val="bg1"/>
                     </a:solidFill>
@@ -15285,7 +14862,7 @@
                     <a:spcPct val="0"/>
                   </a:spcAft>
                 </a:pPr>
-                <a:endParaRPr lang="en-US" sz="2000" b="1" dirty="0" smtClean="0">
+                <a:endParaRPr lang="en-US" sz="2000" b="1" dirty="0">
                   <a:solidFill>
                     <a:schemeClr val="bg1"/>
                   </a:solidFill>
@@ -15375,7 +14952,7 @@
                       <a:spcPct val="0"/>
                     </a:spcAft>
                   </a:pPr>
-                  <a:endParaRPr lang="en-US" sz="2000" b="1" dirty="0" smtClean="0">
+                  <a:endParaRPr lang="en-US" sz="2000" b="1" dirty="0">
                     <a:solidFill>
                       <a:schemeClr val="bg1"/>
                     </a:solidFill>
@@ -15442,7 +15019,7 @@
                       <a:spcPct val="0"/>
                     </a:spcAft>
                   </a:pPr>
-                  <a:endParaRPr lang="en-US" sz="2000" b="1" dirty="0" smtClean="0">
+                  <a:endParaRPr lang="en-US" sz="2000" b="1" dirty="0">
                     <a:solidFill>
                       <a:schemeClr val="bg1"/>
                     </a:solidFill>
@@ -15515,7 +15092,7 @@
                       <a:spcPct val="0"/>
                     </a:spcAft>
                   </a:pPr>
-                  <a:endParaRPr lang="en-US" sz="2000" b="1" dirty="0" smtClean="0">
+                  <a:endParaRPr lang="en-US" sz="2000" b="1" dirty="0">
                     <a:solidFill>
                       <a:schemeClr val="bg1"/>
                     </a:solidFill>
@@ -15606,7 +15183,7 @@
                       <a:spcPct val="0"/>
                     </a:spcAft>
                   </a:pPr>
-                  <a:endParaRPr lang="en-US" sz="2000" b="1" dirty="0" smtClean="0">
+                  <a:endParaRPr lang="en-US" sz="2000" b="1" dirty="0">
                     <a:solidFill>
                       <a:schemeClr val="bg1"/>
                     </a:solidFill>
@@ -15673,7 +15250,7 @@
                       <a:spcPct val="0"/>
                     </a:spcAft>
                   </a:pPr>
-                  <a:endParaRPr lang="en-US" sz="2000" b="1" dirty="0" smtClean="0">
+                  <a:endParaRPr lang="en-US" sz="2000" b="1" dirty="0">
                     <a:solidFill>
                       <a:schemeClr val="bg1"/>
                     </a:solidFill>
@@ -15746,7 +15323,7 @@
                       <a:spcPct val="0"/>
                     </a:spcAft>
                   </a:pPr>
-                  <a:endParaRPr lang="en-US" sz="2000" b="1" dirty="0" smtClean="0">
+                  <a:endParaRPr lang="en-US" sz="2000" b="1" dirty="0">
                     <a:solidFill>
                       <a:schemeClr val="bg1"/>
                     </a:solidFill>
@@ -15842,7 +15419,7 @@
                 </a:spcAft>
               </a:pPr>
               <a:r>
-                <a:rPr lang="en-US" sz="765" dirty="0" smtClean="0">
+                <a:rPr lang="en-US" sz="765" dirty="0">
                   <a:solidFill>
                     <a:prstClr val="white"/>
                   </a:solidFill>
@@ -15866,7 +15443,7 @@
                 </a:spcAft>
               </a:pPr>
               <a:r>
-                <a:rPr lang="en-US" sz="765" dirty="0" smtClean="0">
+                <a:rPr lang="en-US" sz="765" dirty="0">
                   <a:solidFill>
                     <a:prstClr val="white"/>
                   </a:solidFill>
@@ -15876,14 +15453,6 @@
                 </a:rPr>
                 <a:t>&amp; VM Depot</a:t>
               </a:r>
-              <a:endParaRPr lang="en-US" sz="765" dirty="0">
-                <a:solidFill>
-                  <a:prstClr val="white"/>
-                </a:solidFill>
-                <a:latin typeface="Segoe UI Light" panose="020B0502040204020203" pitchFamily="34" charset="0"/>
-                <a:ea typeface="Arial Unicode MS" panose="020B0604020202020204" pitchFamily="34" charset="-128"/>
-                <a:cs typeface="Segoe UI Light" panose="020B0502040204020203" pitchFamily="34" charset="0"/>
-              </a:endParaRPr>
             </a:p>
           </p:txBody>
         </p:sp>
@@ -18059,10 +17628,9 @@
           <a:lstStyle/>
           <a:p>
             <a:r>
-              <a:rPr lang="de-DE" dirty="0" smtClean="0"/>
+              <a:rPr lang="de-DE" dirty="0"/>
               <a:t>Kosten</a:t>
             </a:r>
-            <a:endParaRPr lang="de-DE" dirty="0"/>
           </a:p>
         </p:txBody>
       </p:sp>
@@ -18082,56 +17650,56 @@
           <a:lstStyle/>
           <a:p>
             <a:r>
-              <a:rPr lang="de-DE" dirty="0" smtClean="0"/>
+              <a:rPr lang="de-DE" dirty="0"/>
               <a:t>Azure.com</a:t>
             </a:r>
           </a:p>
           <a:p>
             <a:pPr lvl="1"/>
             <a:r>
-              <a:rPr lang="de-DE" dirty="0" smtClean="0"/>
+              <a:rPr lang="de-DE" dirty="0"/>
               <a:t>Preisübersicht</a:t>
             </a:r>
           </a:p>
           <a:p>
             <a:pPr lvl="1"/>
             <a:r>
-              <a:rPr lang="de-DE" dirty="0" smtClean="0"/>
+              <a:rPr lang="de-DE" dirty="0"/>
               <a:t>Preisrechner</a:t>
             </a:r>
           </a:p>
           <a:p>
             <a:r>
-              <a:rPr lang="de-DE" dirty="0" smtClean="0"/>
+              <a:rPr lang="de-DE" dirty="0"/>
               <a:t>Beispiele</a:t>
             </a:r>
           </a:p>
           <a:p>
             <a:pPr lvl="1"/>
             <a:r>
-              <a:rPr lang="de-DE" dirty="0" smtClean="0"/>
+              <a:rPr lang="de-DE" dirty="0"/>
               <a:t>VMs </a:t>
             </a:r>
             <a:r>
-              <a:rPr lang="de-DE" dirty="0" err="1" smtClean="0"/>
+              <a:rPr lang="de-DE" dirty="0" err="1"/>
               <a:t>Testlab</a:t>
             </a:r>
-            <a:endParaRPr lang="de-DE" dirty="0" smtClean="0"/>
+            <a:endParaRPr lang="de-DE" dirty="0"/>
           </a:p>
           <a:p>
             <a:pPr lvl="1"/>
             <a:r>
-              <a:rPr lang="de-DE" dirty="0" smtClean="0"/>
+              <a:rPr lang="de-DE" dirty="0"/>
               <a:t>Hochfrequentierte Webseite</a:t>
             </a:r>
           </a:p>
           <a:p>
             <a:pPr lvl="1"/>
             <a:r>
-              <a:rPr lang="de-DE" smtClean="0"/>
+              <a:rPr lang="de-DE"/>
               <a:t>Backup</a:t>
             </a:r>
-            <a:endParaRPr lang="de-DE" dirty="0" smtClean="0"/>
+            <a:endParaRPr lang="de-DE" dirty="0"/>
           </a:p>
         </p:txBody>
       </p:sp>
@@ -18148,13 +17716,6 @@
   <p:transition>
     <p:fade/>
   </p:transition>
-  <p:timing>
-    <p:tnLst>
-      <p:par>
-        <p:cTn id="1" dur="indefinite" restart="never" nodeType="tmRoot"/>
-      </p:par>
-    </p:tnLst>
-  </p:timing>
 </p:sld>
 </file>
 
@@ -18214,13 +17775,6 @@
   <p:transition spd="med">
     <p:fade/>
   </p:transition>
-  <p:timing>
-    <p:tnLst>
-      <p:par>
-        <p:cTn id="1" dur="indefinite" restart="never" nodeType="tmRoot"/>
-      </p:par>
-    </p:tnLst>
-  </p:timing>
 </p:sld>
 </file>
 
@@ -18319,32 +17873,12 @@
           <a:lstStyle/>
           <a:p>
             <a:r>
-              <a:rPr lang="de-DE" sz="4080" dirty="0" smtClean="0"/>
-              <a:t>Test </a:t>
-            </a:r>
-            <a:r>
               <a:rPr lang="de-DE" sz="4080" dirty="0"/>
-              <a:t>Labs </a:t>
-            </a:r>
-            <a:r>
-              <a:rPr lang="de-DE" sz="4080" dirty="0" smtClean="0"/>
-              <a:t>(mit </a:t>
-            </a:r>
-            <a:r>
-              <a:rPr lang="de-DE" sz="4080" dirty="0"/>
-              <a:t>MSDN </a:t>
-            </a:r>
-            <a:r>
-              <a:rPr lang="de-DE" sz="4080" dirty="0" smtClean="0"/>
-              <a:t>Ultimate) </a:t>
+              <a:t>Test Labs (mit MSDN Ultimate) </a:t>
             </a:r>
             <a:r>
               <a:rPr lang="de-DE" sz="2040" dirty="0"/>
-              <a:t>(Stand </a:t>
-            </a:r>
-            <a:r>
-              <a:rPr lang="de-DE" sz="2040" dirty="0" smtClean="0"/>
-              <a:t>11.10.2015)</a:t>
+              <a:t>(Stand 11.10.2015)</a:t>
             </a:r>
             <a:endParaRPr lang="de-DE" sz="4080" dirty="0"/>
           </a:p>
@@ -18412,10 +17946,9 @@
                     <a:lstStyle/>
                     <a:p>
                       <a:r>
-                        <a:rPr lang="de-DE" sz="1600" dirty="0" smtClean="0"/>
+                        <a:rPr lang="de-DE" sz="1600" dirty="0"/>
                         <a:t>Komponente</a:t>
                       </a:r>
-                      <a:endParaRPr lang="de-DE" sz="1600" dirty="0"/>
                     </a:p>
                   </a:txBody>
                   <a:tcPr marL="93260" marR="93260" marT="46630" marB="46630"/>
@@ -18426,10 +17959,9 @@
                     <a:lstStyle/>
                     <a:p>
                       <a:r>
-                        <a:rPr lang="de-DE" sz="1600" dirty="0" smtClean="0"/>
+                        <a:rPr lang="de-DE" sz="1600" dirty="0"/>
                         <a:t>Details</a:t>
                       </a:r>
-                      <a:endParaRPr lang="de-DE" sz="1600" dirty="0"/>
                     </a:p>
                   </a:txBody>
                   <a:tcPr marL="93260" marR="93260" marT="46630" marB="46630"/>
@@ -18440,10 +17972,9 @@
                     <a:lstStyle/>
                     <a:p>
                       <a:r>
-                        <a:rPr lang="de-DE" sz="1600" dirty="0" smtClean="0"/>
+                        <a:rPr lang="de-DE" sz="1600" dirty="0"/>
                         <a:t>Kosten</a:t>
                       </a:r>
-                      <a:endParaRPr lang="de-DE" sz="1600" dirty="0"/>
                     </a:p>
                   </a:txBody>
                   <a:tcPr marL="93260" marR="93260" marT="46630" marB="46630"/>
@@ -18454,11 +17985,11 @@
                     <a:lstStyle/>
                     <a:p>
                       <a:r>
-                        <a:rPr lang="de-DE" sz="1600" dirty="0" smtClean="0"/>
+                        <a:rPr lang="de-DE" sz="1600" dirty="0"/>
                         <a:t>Kosten</a:t>
                       </a:r>
                       <a:r>
-                        <a:rPr lang="de-DE" sz="1600" baseline="0" dirty="0" smtClean="0"/>
+                        <a:rPr lang="de-DE" sz="1600" baseline="0" dirty="0"/>
                         <a:t> / 10h</a:t>
                       </a:r>
                       <a:endParaRPr lang="de-DE" sz="1600" dirty="0"/>
@@ -18479,11 +18010,11 @@
                     <a:lstStyle/>
                     <a:p>
                       <a:r>
-                        <a:rPr lang="de-DE" sz="1600" dirty="0" smtClean="0"/>
+                        <a:rPr lang="de-DE" sz="1600" dirty="0"/>
                         <a:t>Domain</a:t>
                       </a:r>
                       <a:r>
-                        <a:rPr lang="de-DE" sz="1600" baseline="0" dirty="0" smtClean="0"/>
+                        <a:rPr lang="de-DE" sz="1600" baseline="0" dirty="0"/>
                         <a:t> Controller</a:t>
                       </a:r>
                       <a:endParaRPr lang="de-DE" sz="1600" dirty="0"/>
@@ -18497,14 +18028,14 @@
                     <a:lstStyle/>
                     <a:p>
                       <a:r>
-                        <a:rPr lang="de-DE" sz="1600" dirty="0" smtClean="0"/>
+                        <a:rPr lang="de-DE" sz="1600" dirty="0"/>
                         <a:t>VM Klein (A1, Basis)</a:t>
                       </a:r>
                       <a:br>
-                        <a:rPr lang="de-DE" sz="1600" dirty="0" smtClean="0"/>
+                        <a:rPr lang="de-DE" sz="1600" dirty="0"/>
                       </a:br>
                       <a:r>
-                        <a:rPr lang="de-DE" sz="1600" dirty="0" smtClean="0"/>
+                        <a:rPr lang="de-DE" sz="1600" dirty="0"/>
                         <a:t>1 Kern, 1,75 GB RAM</a:t>
                       </a:r>
                     </a:p>
@@ -18517,16 +18048,15 @@
                     <a:lstStyle/>
                     <a:p>
                       <a:r>
-                        <a:rPr lang="de-DE" sz="1600" dirty="0" smtClean="0"/>
+                        <a:rPr lang="de-DE" sz="1600" dirty="0"/>
                         <a:t>€0,0431 / Stunde</a:t>
                       </a:r>
                     </a:p>
                     <a:p>
                       <a:r>
-                        <a:rPr lang="de-DE" sz="1600" dirty="0" smtClean="0"/>
+                        <a:rPr lang="de-DE" sz="1600" dirty="0"/>
                         <a:t>(40% Rabatt)</a:t>
                       </a:r>
-                      <a:endParaRPr lang="de-DE" sz="1600" dirty="0"/>
                     </a:p>
                   </a:txBody>
                   <a:tcPr marL="93260" marR="93260" marT="46630" marB="46630"/>
@@ -18537,10 +18067,9 @@
                     <a:lstStyle/>
                     <a:p>
                       <a:r>
-                        <a:rPr lang="de-DE" sz="1600" dirty="0" smtClean="0"/>
+                        <a:rPr lang="de-DE" sz="1600" dirty="0"/>
                         <a:t>€0,431</a:t>
                       </a:r>
-                      <a:endParaRPr lang="de-DE" sz="1600" dirty="0"/>
                     </a:p>
                   </a:txBody>
                   <a:tcPr marL="93260" marR="93260" marT="46630" marB="46630"/>
@@ -18558,11 +18087,11 @@
                     <a:lstStyle/>
                     <a:p>
                       <a:r>
-                        <a:rPr lang="de-DE" sz="1600" dirty="0" smtClean="0"/>
+                        <a:rPr lang="de-DE" sz="1600" dirty="0"/>
                         <a:t>SQL</a:t>
                       </a:r>
                       <a:r>
-                        <a:rPr lang="de-DE" sz="1600" baseline="0" dirty="0" smtClean="0"/>
+                        <a:rPr lang="de-DE" sz="1600" baseline="0" dirty="0"/>
                         <a:t> Server</a:t>
                       </a:r>
                       <a:endParaRPr lang="de-DE" sz="1600" dirty="0"/>
@@ -18576,18 +18105,18 @@
                     <a:lstStyle/>
                     <a:p>
                       <a:r>
-                        <a:rPr lang="de-DE" sz="1600" dirty="0" smtClean="0"/>
+                        <a:rPr lang="de-DE" sz="1600" dirty="0"/>
                         <a:t>VM Groß (A3, Basis)</a:t>
                       </a:r>
                       <a:br>
-                        <a:rPr lang="de-DE" sz="1600" dirty="0" smtClean="0"/>
+                        <a:rPr lang="de-DE" sz="1600" dirty="0"/>
                       </a:br>
                       <a:r>
-                        <a:rPr lang="de-DE" sz="1600" dirty="0" smtClean="0"/>
+                        <a:rPr lang="de-DE" sz="1600" dirty="0"/>
                         <a:t>4 Kerne, 7</a:t>
                       </a:r>
                       <a:r>
-                        <a:rPr lang="de-DE" sz="1600" baseline="0" dirty="0" smtClean="0"/>
+                        <a:rPr lang="de-DE" sz="1600" baseline="0" dirty="0"/>
                         <a:t> GB RAM</a:t>
                       </a:r>
                       <a:endParaRPr lang="de-DE" sz="1600" dirty="0"/>
@@ -18601,7 +18130,7 @@
                     <a:lstStyle/>
                     <a:p>
                       <a:r>
-                        <a:rPr lang="de-DE" sz="1600" dirty="0" smtClean="0"/>
+                        <a:rPr lang="de-DE" sz="1600" dirty="0"/>
                         <a:t>€0,1721 / Stunde</a:t>
                       </a:r>
                     </a:p>
@@ -18624,7 +18153,7 @@
                         <a:defRPr/>
                       </a:pPr>
                       <a:r>
-                        <a:rPr lang="de-DE" sz="1600" dirty="0" smtClean="0"/>
+                        <a:rPr lang="de-DE" sz="1600" dirty="0"/>
                         <a:t>(40% Rabatt)</a:t>
                       </a:r>
                     </a:p>
@@ -18637,10 +18166,9 @@
                     <a:lstStyle/>
                     <a:p>
                       <a:r>
-                        <a:rPr lang="de-DE" sz="1600" dirty="0" smtClean="0"/>
+                        <a:rPr lang="de-DE" sz="1600" dirty="0"/>
                         <a:t>€1,721</a:t>
                       </a:r>
-                      <a:endParaRPr lang="de-DE" sz="1600" dirty="0"/>
                     </a:p>
                   </a:txBody>
                   <a:tcPr marL="93260" marR="93260" marT="46630" marB="46630"/>
@@ -18658,10 +18186,9 @@
                     <a:lstStyle/>
                     <a:p>
                       <a:r>
-                        <a:rPr lang="de-DE" sz="1600" dirty="0" smtClean="0"/>
+                        <a:rPr lang="de-DE" sz="1600" dirty="0"/>
                         <a:t>SharePoint Server</a:t>
                       </a:r>
-                      <a:endParaRPr lang="de-DE" sz="1600" dirty="0"/>
                     </a:p>
                   </a:txBody>
                   <a:tcPr marL="93260" marR="93260" marT="46630" marB="46630"/>
@@ -18672,17 +18199,16 @@
                     <a:lstStyle/>
                     <a:p>
                       <a:r>
-                        <a:rPr lang="de-DE" sz="1600" dirty="0" smtClean="0"/>
+                        <a:rPr lang="de-DE" sz="1600" dirty="0"/>
                         <a:t>VM Extra groß (A4, Basis)</a:t>
                       </a:r>
                       <a:br>
-                        <a:rPr lang="de-DE" sz="1600" dirty="0" smtClean="0"/>
+                        <a:rPr lang="de-DE" sz="1600" dirty="0"/>
                       </a:br>
                       <a:r>
-                        <a:rPr lang="de-DE" sz="1600" dirty="0" smtClean="0"/>
+                        <a:rPr lang="de-DE" sz="1600" dirty="0"/>
                         <a:t>8 Kerne, 14 GB RAM</a:t>
                       </a:r>
-                      <a:endParaRPr lang="de-DE" sz="1600" dirty="0"/>
                     </a:p>
                   </a:txBody>
                   <a:tcPr marL="93260" marR="93260" marT="46630" marB="46630"/>
@@ -18693,7 +18219,7 @@
                     <a:lstStyle/>
                     <a:p>
                       <a:r>
-                        <a:rPr lang="de-DE" sz="1600" dirty="0" smtClean="0"/>
+                        <a:rPr lang="de-DE" sz="1600" dirty="0"/>
                         <a:t>€0,3441 / Stunde</a:t>
                       </a:r>
                     </a:p>
@@ -18716,7 +18242,7 @@
                         <a:defRPr/>
                       </a:pPr>
                       <a:r>
-                        <a:rPr lang="de-DE" sz="1600" dirty="0" smtClean="0"/>
+                        <a:rPr lang="de-DE" sz="1600" dirty="0"/>
                         <a:t>(40% Rabatt)</a:t>
                       </a:r>
                     </a:p>
@@ -18729,10 +18255,9 @@
                     <a:lstStyle/>
                     <a:p>
                       <a:r>
-                        <a:rPr lang="de-DE" sz="1600" dirty="0" smtClean="0"/>
+                        <a:rPr lang="de-DE" sz="1600" dirty="0"/>
                         <a:t>€3,441</a:t>
                       </a:r>
-                      <a:endParaRPr lang="de-DE" sz="1600" dirty="0"/>
                     </a:p>
                   </a:txBody>
                   <a:tcPr marL="93260" marR="93260" marT="46630" marB="46630"/>
@@ -18750,10 +18275,9 @@
                     <a:lstStyle/>
                     <a:p>
                       <a:r>
-                        <a:rPr lang="de-DE" sz="1600" dirty="0" smtClean="0"/>
+                        <a:rPr lang="de-DE" sz="1600" dirty="0"/>
                         <a:t>Speicher</a:t>
                       </a:r>
-                      <a:endParaRPr lang="de-DE" sz="1600" dirty="0"/>
                     </a:p>
                   </a:txBody>
                   <a:tcPr marL="93260" marR="93260" marT="46630" marB="46630"/>
@@ -18764,24 +18288,23 @@
                     <a:lstStyle/>
                     <a:p>
                       <a:r>
-                        <a:rPr lang="de-DE" sz="1600" dirty="0" smtClean="0"/>
+                        <a:rPr lang="de-DE" sz="1600" dirty="0"/>
                         <a:t>ca. 60 GB (Page </a:t>
                       </a:r>
                       <a:r>
-                        <a:rPr lang="de-DE" sz="1600" dirty="0" err="1" smtClean="0"/>
+                        <a:rPr lang="de-DE" sz="1600" dirty="0" err="1"/>
                         <a:t>Blob</a:t>
                       </a:r>
                       <a:r>
-                        <a:rPr lang="de-DE" sz="1600" dirty="0" smtClean="0"/>
+                        <a:rPr lang="de-DE" sz="1600" dirty="0"/>
                         <a:t>)</a:t>
                       </a:r>
                     </a:p>
                     <a:p>
                       <a:r>
-                        <a:rPr lang="de-DE" sz="1600" dirty="0" smtClean="0"/>
+                        <a:rPr lang="de-DE" sz="1600" dirty="0"/>
                         <a:t>(lokal redundant)</a:t>
                       </a:r>
-                      <a:endParaRPr lang="de-DE" sz="1600" dirty="0"/>
                     </a:p>
                   </a:txBody>
                   <a:tcPr marL="93260" marR="93260" marT="46630" marB="46630"/>
@@ -18792,19 +18315,19 @@
                     <a:lstStyle/>
                     <a:p>
                       <a:r>
-                        <a:rPr lang="de-DE" sz="1600" dirty="0" smtClean="0"/>
+                        <a:rPr lang="de-DE" sz="1600" dirty="0"/>
                         <a:t>€0,0422 /</a:t>
                       </a:r>
                       <a:r>
-                        <a:rPr lang="de-DE" sz="1600" baseline="0" dirty="0" smtClean="0"/>
+                        <a:rPr lang="de-DE" sz="1600" baseline="0" dirty="0"/>
                         <a:t> </a:t>
                       </a:r>
                       <a:r>
-                        <a:rPr lang="de-DE" sz="1600" dirty="0" smtClean="0"/>
+                        <a:rPr lang="de-DE" sz="1600" dirty="0"/>
                         <a:t>GB /</a:t>
                       </a:r>
                       <a:r>
-                        <a:rPr lang="de-DE" sz="1600" baseline="0" dirty="0" smtClean="0"/>
+                        <a:rPr lang="de-DE" sz="1600" baseline="0" dirty="0"/>
                         <a:t> Monat</a:t>
                       </a:r>
                       <a:endParaRPr lang="de-DE" sz="1600" dirty="0"/>
@@ -18818,13 +18341,13 @@
                     <a:lstStyle/>
                     <a:p>
                       <a:r>
-                        <a:rPr lang="de-DE" sz="1600" dirty="0" smtClean="0"/>
+                        <a:rPr lang="de-DE" sz="1600" dirty="0"/>
                         <a:t>€0,0844 pro Tag</a:t>
                       </a:r>
                     </a:p>
                     <a:p>
                       <a:r>
-                        <a:rPr lang="de-DE" sz="1600" dirty="0" smtClean="0"/>
+                        <a:rPr lang="de-DE" sz="1600" dirty="0"/>
                         <a:t>(€2,532 / Monat)</a:t>
                       </a:r>
                     </a:p>
@@ -18844,10 +18367,9 @@
                     <a:lstStyle/>
                     <a:p>
                       <a:r>
-                        <a:rPr lang="de-DE" sz="1600" dirty="0" smtClean="0"/>
+                        <a:rPr lang="de-DE" sz="1600" dirty="0"/>
                         <a:t>Speichertransaktionen</a:t>
                       </a:r>
-                      <a:endParaRPr lang="de-DE" sz="1600" dirty="0"/>
                     </a:p>
                   </a:txBody>
                   <a:tcPr marL="93260" marR="93260" marT="46630" marB="46630"/>
@@ -18858,10 +18380,9 @@
                     <a:lstStyle/>
                     <a:p>
                       <a:r>
-                        <a:rPr lang="de-DE" sz="1600" dirty="0" smtClean="0"/>
+                        <a:rPr lang="de-DE" sz="1600" dirty="0"/>
                         <a:t>Weit unter 1.000.000 Transaktionen</a:t>
                       </a:r>
-                      <a:endParaRPr lang="de-DE" sz="1600" dirty="0"/>
                     </a:p>
                   </a:txBody>
                   <a:tcPr marL="93260" marR="93260" marT="46630" marB="46630"/>
@@ -18872,10 +18393,9 @@
                     <a:lstStyle/>
                     <a:p>
                       <a:r>
-                        <a:rPr lang="de-DE" sz="1600" dirty="0" smtClean="0"/>
+                        <a:rPr lang="de-DE" sz="1600" dirty="0"/>
                         <a:t>€0,0031 / 100.000 Transaktionen</a:t>
                       </a:r>
-                      <a:endParaRPr lang="de-DE" sz="1600" dirty="0"/>
                     </a:p>
                   </a:txBody>
                   <a:tcPr marL="93260" marR="93260" marT="46630" marB="46630"/>
@@ -18886,7 +18406,7 @@
                     <a:lstStyle/>
                     <a:p>
                       <a:r>
-                        <a:rPr lang="de-DE" sz="1600" dirty="0" smtClean="0"/>
+                        <a:rPr lang="de-DE" sz="1600" dirty="0"/>
                         <a:t>€0,031</a:t>
                       </a:r>
                     </a:p>
@@ -18906,10 +18426,9 @@
                     <a:lstStyle/>
                     <a:p>
                       <a:r>
-                        <a:rPr lang="de-DE" sz="1600" dirty="0" smtClean="0"/>
+                        <a:rPr lang="de-DE" sz="1600" dirty="0"/>
                         <a:t>VPN-Gateway</a:t>
                       </a:r>
-                      <a:endParaRPr lang="de-DE" sz="1600" dirty="0"/>
                     </a:p>
                   </a:txBody>
                   <a:tcPr marL="93260" marR="93260" marT="46630" marB="46630"/>
@@ -18920,10 +18439,9 @@
                     <a:lstStyle/>
                     <a:p>
                       <a:r>
-                        <a:rPr lang="de-DE" sz="1600" dirty="0" smtClean="0"/>
+                        <a:rPr lang="de-DE" sz="1600" dirty="0"/>
                         <a:t>1 Gateway (Basis)</a:t>
                       </a:r>
-                      <a:endParaRPr lang="de-DE" sz="1600" dirty="0"/>
                     </a:p>
                   </a:txBody>
                   <a:tcPr marL="93260" marR="93260" marT="46630" marB="46630"/>
@@ -18934,11 +18452,11 @@
                     <a:lstStyle/>
                     <a:p>
                       <a:r>
-                        <a:rPr lang="de-DE" sz="1600" dirty="0" smtClean="0"/>
+                        <a:rPr lang="de-DE" sz="1600" dirty="0"/>
                         <a:t>€0,0304</a:t>
                       </a:r>
                       <a:r>
-                        <a:rPr lang="de-DE" sz="1600" baseline="0" dirty="0" smtClean="0"/>
+                        <a:rPr lang="de-DE" sz="1600" baseline="0" dirty="0"/>
                         <a:t> / Gateway-Verfügbarkeit / Stunde</a:t>
                       </a:r>
                       <a:endParaRPr lang="de-DE" sz="1600" dirty="0"/>
@@ -18952,7 +18470,7 @@
                     <a:lstStyle/>
                     <a:p>
                       <a:r>
-                        <a:rPr lang="de-DE" sz="1600" dirty="0" smtClean="0"/>
+                        <a:rPr lang="de-DE" sz="1600" dirty="0"/>
                         <a:t>€0,304</a:t>
                       </a:r>
                     </a:p>
@@ -18972,10 +18490,9 @@
                     <a:lstStyle/>
                     <a:p>
                       <a:r>
-                        <a:rPr lang="de-DE" sz="1600" dirty="0" smtClean="0"/>
+                        <a:rPr lang="de-DE" sz="1600" dirty="0"/>
                         <a:t>Traffic</a:t>
                       </a:r>
-                      <a:endParaRPr lang="de-DE" sz="1600" dirty="0"/>
                     </a:p>
                   </a:txBody>
                   <a:tcPr marL="93260" marR="93260" marT="46630" marB="46630"/>
@@ -18986,11 +18503,11 @@
                     <a:lstStyle/>
                     <a:p>
                       <a:r>
-                        <a:rPr lang="de-DE" sz="1600" dirty="0" smtClean="0"/>
+                        <a:rPr lang="de-DE" sz="1600" dirty="0"/>
                         <a:t>Unter</a:t>
                       </a:r>
                       <a:r>
-                        <a:rPr lang="de-DE" sz="1600" baseline="0" dirty="0" smtClean="0"/>
+                        <a:rPr lang="de-DE" sz="1600" baseline="0" dirty="0"/>
                         <a:t> 5 GB</a:t>
                       </a:r>
                       <a:endParaRPr lang="de-DE" sz="1600" dirty="0"/>
@@ -19004,19 +18521,19 @@
                     <a:lstStyle/>
                     <a:p>
                       <a:r>
-                        <a:rPr lang="de-DE" sz="1600" dirty="0" smtClean="0"/>
+                        <a:rPr lang="de-DE" sz="1600" dirty="0"/>
                         <a:t>Die</a:t>
                       </a:r>
                       <a:r>
-                        <a:rPr lang="de-DE" sz="1600" baseline="0" dirty="0" smtClean="0"/>
+                        <a:rPr lang="de-DE" sz="1600" baseline="0" dirty="0"/>
                         <a:t> ersten </a:t>
                       </a:r>
                       <a:r>
-                        <a:rPr lang="de-DE" sz="1600" dirty="0" smtClean="0"/>
+                        <a:rPr lang="de-DE" sz="1600" dirty="0"/>
                         <a:t>5 GB:</a:t>
                       </a:r>
                       <a:r>
-                        <a:rPr lang="de-DE" sz="1600" baseline="0" dirty="0" smtClean="0"/>
+                        <a:rPr lang="de-DE" sz="1600" baseline="0" dirty="0"/>
                         <a:t> kostenlos</a:t>
                       </a:r>
                       <a:endParaRPr lang="de-DE" sz="1600" dirty="0"/>
@@ -19030,7 +18547,7 @@
                     <a:lstStyle/>
                     <a:p>
                       <a:r>
-                        <a:rPr lang="de-DE" sz="1600" dirty="0" smtClean="0"/>
+                        <a:rPr lang="de-DE" sz="1600" dirty="0"/>
                         <a:t>€0,00</a:t>
                       </a:r>
                     </a:p>
@@ -19050,10 +18567,9 @@
                     <a:lstStyle/>
                     <a:p>
                       <a:r>
-                        <a:rPr lang="de-DE" sz="1600" b="1" dirty="0" smtClean="0"/>
+                        <a:rPr lang="de-DE" sz="1600" b="1" dirty="0"/>
                         <a:t>Summe</a:t>
                       </a:r>
-                      <a:endParaRPr lang="de-DE" sz="1600" b="1" dirty="0"/>
                     </a:p>
                   </a:txBody>
                   <a:tcPr marL="93260" marR="93260" marT="46630" marB="46630"/>
@@ -19084,7 +18600,7 @@
                     <a:lstStyle/>
                     <a:p>
                       <a:r>
-                        <a:rPr lang="de-DE" sz="1600" b="1" dirty="0" smtClean="0"/>
+                        <a:rPr lang="de-DE" sz="1600" b="1" dirty="0"/>
                         <a:t>€6,0124 für 10h</a:t>
                       </a:r>
                     </a:p>
@@ -19111,21 +18627,6 @@
   <p:clrMapOvr>
     <a:masterClrMapping/>
   </p:clrMapOvr>
-  <mc:AlternateContent xmlns:mc="http://schemas.openxmlformats.org/markup-compatibility/2006" xmlns:p14="http://schemas.microsoft.com/office/powerpoint/2010/main">
-    <mc:Choice Requires="p14">
-      <p:transition spd="slow" p14:dur="2000"/>
-    </mc:Choice>
-    <mc:Fallback xmlns="">
-      <p:transition spd="slow"/>
-    </mc:Fallback>
-  </mc:AlternateContent>
-  <p:timing>
-    <p:tnLst>
-      <p:par>
-        <p:cTn id="1" dur="indefinite" restart="never" nodeType="tmRoot"/>
-      </p:par>
-    </p:tnLst>
-  </p:timing>
 </p:sld>
 </file>
 
@@ -19167,16 +18668,12 @@
           <a:lstStyle/>
           <a:p>
             <a:r>
-              <a:rPr lang="de-DE" sz="4080" dirty="0" smtClean="0"/>
+              <a:rPr lang="de-DE" sz="4080" dirty="0"/>
               <a:t>Hochfrequentierte Webseite (PAYG) </a:t>
             </a:r>
             <a:r>
               <a:rPr lang="de-DE" sz="2040" dirty="0"/>
-              <a:t>(Stand </a:t>
-            </a:r>
-            <a:r>
-              <a:rPr lang="de-DE" sz="2040" dirty="0" smtClean="0"/>
-              <a:t>20.10.2015)</a:t>
+              <a:t>(Stand 20.10.2015)</a:t>
             </a:r>
             <a:endParaRPr lang="de-DE" sz="4080" dirty="0"/>
           </a:p>
@@ -19192,7 +18689,7 @@
             <p:ph idx="4294967295"/>
             <p:extLst>
               <p:ext uri="{D42A27DB-BD31-4B8C-83A1-F6EECF244321}">
-                <p14:modId xmlns:p14="http://schemas.microsoft.com/office/powerpoint/2010/main" val="1184973791"/>
+                <p14:modId xmlns:p14="http://schemas.microsoft.com/office/powerpoint/2010/main" val="2337693690"/>
               </p:ext>
             </p:extLst>
           </p:nvPr>
@@ -19244,10 +18741,9 @@
                     <a:lstStyle/>
                     <a:p>
                       <a:r>
-                        <a:rPr lang="de-DE" sz="1600" dirty="0" smtClean="0"/>
+                        <a:rPr lang="de-DE" sz="1600" dirty="0"/>
                         <a:t>Komponente</a:t>
                       </a:r>
-                      <a:endParaRPr lang="de-DE" sz="1600" dirty="0"/>
                     </a:p>
                   </a:txBody>
                   <a:tcPr marL="93260" marR="93260" marT="46630" marB="46630"/>
@@ -19258,10 +18754,9 @@
                     <a:lstStyle/>
                     <a:p>
                       <a:r>
-                        <a:rPr lang="de-DE" sz="1600" dirty="0" smtClean="0"/>
+                        <a:rPr lang="de-DE" sz="1600" dirty="0"/>
                         <a:t>Details</a:t>
                       </a:r>
-                      <a:endParaRPr lang="de-DE" sz="1600" dirty="0"/>
                     </a:p>
                   </a:txBody>
                   <a:tcPr marL="93260" marR="93260" marT="46630" marB="46630"/>
@@ -19272,10 +18767,9 @@
                     <a:lstStyle/>
                     <a:p>
                       <a:r>
-                        <a:rPr lang="de-DE" sz="1600" dirty="0" smtClean="0"/>
+                        <a:rPr lang="de-DE" sz="1600" dirty="0"/>
                         <a:t>Kosten</a:t>
                       </a:r>
-                      <a:endParaRPr lang="de-DE" sz="1600" dirty="0"/>
                     </a:p>
                   </a:txBody>
                   <a:tcPr marL="93260" marR="93260" marT="46630" marB="46630"/>
@@ -19286,11 +18780,11 @@
                     <a:lstStyle/>
                     <a:p>
                       <a:r>
-                        <a:rPr lang="de-DE" sz="1600" dirty="0" smtClean="0"/>
+                        <a:rPr lang="de-DE" sz="1600" dirty="0"/>
                         <a:t>Kosten</a:t>
                       </a:r>
                       <a:r>
-                        <a:rPr lang="de-DE" sz="1600" baseline="0" dirty="0" smtClean="0"/>
+                        <a:rPr lang="de-DE" sz="1600" baseline="0" dirty="0"/>
                         <a:t> / Tag</a:t>
                       </a:r>
                       <a:endParaRPr lang="de-DE" sz="1600" dirty="0"/>
@@ -19311,20 +18805,43 @@
                     <a:lstStyle/>
                     <a:p>
                       <a:r>
-                        <a:rPr lang="de-DE" sz="1600" dirty="0" smtClean="0"/>
+                        <a:rPr lang="de-DE" sz="1600" dirty="0"/>
                         <a:t>Hauptzeit (8 – 20 Uhr)</a:t>
                       </a:r>
                     </a:p>
                     <a:p>
                       <a:r>
-                        <a:rPr lang="de-DE" sz="1600" dirty="0" smtClean="0"/>
+                        <a:rPr lang="de-DE" sz="1600" dirty="0"/>
                         <a:t>10x Web App</a:t>
                       </a:r>
                     </a:p>
                     <a:p>
                       <a:r>
-                        <a:rPr lang="de-DE" sz="1600" dirty="0" smtClean="0"/>
+                        <a:rPr lang="de-DE" sz="1600" dirty="0"/>
                         <a:t>(App Service)</a:t>
+                      </a:r>
+                    </a:p>
+                  </a:txBody>
+                  <a:tcPr marL="93260" marR="93260" marT="46630" marB="46630"/>
+                </a:tc>
+                <a:tc>
+                  <a:txBody>
+                    <a:bodyPr/>
+                    <a:lstStyle/>
+                    <a:p>
+                      <a:r>
+                        <a:rPr lang="de-DE" sz="1600" dirty="0"/>
+                        <a:t>Standard,</a:t>
+                      </a:r>
+                      <a:r>
+                        <a:rPr lang="de-DE" sz="1600" baseline="0" dirty="0"/>
+                        <a:t> S2</a:t>
+                      </a:r>
+                    </a:p>
+                    <a:p>
+                      <a:r>
+                        <a:rPr lang="de-DE" sz="1600" baseline="0" dirty="0"/>
+                        <a:t>(2 Kerne, 3,5 GB RAM, 50 GB HD)</a:t>
                       </a:r>
                       <a:endParaRPr lang="de-DE" sz="1600" dirty="0"/>
                     </a:p>
@@ -19337,31 +18854,7 @@
                     <a:lstStyle/>
                     <a:p>
                       <a:r>
-                        <a:rPr lang="de-DE" sz="1600" dirty="0" smtClean="0"/>
-                        <a:t>Standard,</a:t>
-                      </a:r>
-                      <a:r>
-                        <a:rPr lang="de-DE" sz="1600" baseline="0" dirty="0" smtClean="0"/>
-                        <a:t> S2</a:t>
-                      </a:r>
-                    </a:p>
-                    <a:p>
-                      <a:r>
-                        <a:rPr lang="de-DE" sz="1600" baseline="0" dirty="0" smtClean="0"/>
-                        <a:t>(2 Kerne, 3,5 GB RAM, 50 GB HD)</a:t>
-                      </a:r>
-                      <a:endParaRPr lang="de-DE" sz="1600" dirty="0" smtClean="0"/>
-                    </a:p>
-                  </a:txBody>
-                  <a:tcPr marL="93260" marR="93260" marT="46630" marB="46630"/>
-                </a:tc>
-                <a:tc>
-                  <a:txBody>
-                    <a:bodyPr/>
-                    <a:lstStyle/>
-                    <a:p>
-                      <a:r>
-                        <a:rPr lang="de-DE" sz="1600" dirty="0" smtClean="0"/>
+                        <a:rPr lang="de-DE" sz="1600" dirty="0"/>
                         <a:t>€0,0844 / Stunde</a:t>
                       </a:r>
                     </a:p>
@@ -19374,10 +18867,9 @@
                     <a:lstStyle/>
                     <a:p>
                       <a:r>
-                        <a:rPr lang="de-DE" sz="1600" dirty="0" smtClean="0"/>
+                        <a:rPr lang="de-DE" sz="1600" dirty="0"/>
                         <a:t>€10,128</a:t>
                       </a:r>
-                      <a:endParaRPr lang="de-DE" sz="1600" dirty="0"/>
                     </a:p>
                   </a:txBody>
                   <a:tcPr marL="93260" marR="93260" marT="46630" marB="46630"/>
@@ -19395,19 +18887,19 @@
                     <a:lstStyle/>
                     <a:p>
                       <a:r>
-                        <a:rPr lang="de-DE" sz="1600" dirty="0" smtClean="0"/>
+                        <a:rPr lang="de-DE" sz="1600" dirty="0"/>
                         <a:t>Nebenzeit (20 – 8 Uhr)</a:t>
                       </a:r>
                     </a:p>
                     <a:p>
                       <a:r>
-                        <a:rPr lang="de-DE" sz="1600" dirty="0" smtClean="0"/>
+                        <a:rPr lang="de-DE" sz="1600" dirty="0"/>
                         <a:t>3x Web App</a:t>
                       </a:r>
                     </a:p>
                     <a:p>
                       <a:r>
-                        <a:rPr lang="de-DE" sz="1600" dirty="0" smtClean="0"/>
+                        <a:rPr lang="de-DE" sz="1600" dirty="0"/>
                         <a:t>(App Service)</a:t>
                       </a:r>
                     </a:p>
@@ -19420,17 +18912,17 @@
                     <a:lstStyle/>
                     <a:p>
                       <a:r>
-                        <a:rPr lang="de-DE" sz="1600" dirty="0" smtClean="0"/>
+                        <a:rPr lang="de-DE" sz="1600" dirty="0"/>
                         <a:t>Standard,</a:t>
                       </a:r>
                       <a:r>
-                        <a:rPr lang="de-DE" sz="1600" baseline="0" dirty="0" smtClean="0"/>
+                        <a:rPr lang="de-DE" sz="1600" baseline="0" dirty="0"/>
                         <a:t> S2</a:t>
                       </a:r>
                     </a:p>
                     <a:p>
                       <a:r>
-                        <a:rPr lang="de-DE" sz="1600" baseline="0" dirty="0" smtClean="0"/>
+                        <a:rPr lang="de-DE" sz="1600" baseline="0" dirty="0"/>
                         <a:t>(2 Kerne, 3,5 GB RAM, 50 GB HD)</a:t>
                       </a:r>
                       <a:endParaRPr lang="de-DE" sz="1600" dirty="0"/>
@@ -19461,12 +18953,12 @@
                         <a:defRPr/>
                       </a:pPr>
                       <a:r>
-                        <a:rPr lang="de-DE" sz="1600" dirty="0" smtClean="0"/>
+                        <a:rPr lang="de-DE" sz="1600" dirty="0"/>
                         <a:t>€0,0844 / Stunde</a:t>
                       </a:r>
                     </a:p>
                     <a:p>
-                      <a:endParaRPr lang="de-DE" sz="1600" dirty="0" smtClean="0"/>
+                      <a:endParaRPr lang="de-DE" sz="1600" dirty="0"/>
                     </a:p>
                   </a:txBody>
                   <a:tcPr marL="93260" marR="93260" marT="46630" marB="46630"/>
@@ -19477,10 +18969,9 @@
                     <a:lstStyle/>
                     <a:p>
                       <a:r>
-                        <a:rPr lang="de-DE" sz="1600" dirty="0" smtClean="0"/>
+                        <a:rPr lang="de-DE" sz="1600" dirty="0"/>
                         <a:t>€3,0384</a:t>
                       </a:r>
-                      <a:endParaRPr lang="de-DE" sz="1600" dirty="0"/>
                     </a:p>
                   </a:txBody>
                   <a:tcPr marL="93260" marR="93260" marT="46630" marB="46630"/>
@@ -19517,7 +19008,7 @@
                     <a:bodyPr/>
                     <a:lstStyle/>
                     <a:p>
-                      <a:endParaRPr lang="de-DE" sz="1600" dirty="0" smtClean="0"/>
+                      <a:endParaRPr lang="de-DE" sz="1600" dirty="0"/>
                     </a:p>
                   </a:txBody>
                   <a:tcPr marL="93260" marR="93260" marT="46630" marB="46630"/>
@@ -19545,10 +19036,9 @@
                     <a:lstStyle/>
                     <a:p>
                       <a:r>
-                        <a:rPr lang="de-DE" sz="1600" dirty="0" smtClean="0"/>
+                        <a:rPr lang="de-DE" sz="1600" dirty="0"/>
                         <a:t>Speicher</a:t>
                       </a:r>
-                      <a:endParaRPr lang="de-DE" sz="1600" dirty="0"/>
                     </a:p>
                   </a:txBody>
                   <a:tcPr marL="93260" marR="93260" marT="46630" marB="46630"/>
@@ -19559,24 +19049,23 @@
                     <a:lstStyle/>
                     <a:p>
                       <a:r>
-                        <a:rPr lang="de-DE" sz="1600" dirty="0" smtClean="0"/>
+                        <a:rPr lang="de-DE" sz="1600" dirty="0"/>
                         <a:t>1 TB (Block </a:t>
                       </a:r>
                       <a:r>
-                        <a:rPr lang="de-DE" sz="1600" dirty="0" err="1" smtClean="0"/>
+                        <a:rPr lang="de-DE" sz="1600" dirty="0" err="1"/>
                         <a:t>blob</a:t>
                       </a:r>
                       <a:r>
-                        <a:rPr lang="de-DE" sz="1600" dirty="0" smtClean="0"/>
+                        <a:rPr lang="de-DE" sz="1600" dirty="0"/>
                         <a:t>)</a:t>
                       </a:r>
                     </a:p>
                     <a:p>
                       <a:r>
-                        <a:rPr lang="de-DE" sz="1600" dirty="0" smtClean="0"/>
+                        <a:rPr lang="de-DE" sz="1600" dirty="0"/>
                         <a:t>(lokal redundant)</a:t>
                       </a:r>
-                      <a:endParaRPr lang="de-DE" sz="1600" dirty="0"/>
                     </a:p>
                   </a:txBody>
                   <a:tcPr marL="93260" marR="93260" marT="46630" marB="46630"/>
@@ -19587,19 +19076,19 @@
                     <a:lstStyle/>
                     <a:p>
                       <a:r>
-                        <a:rPr lang="de-DE" sz="1600" dirty="0" smtClean="0"/>
+                        <a:rPr lang="de-DE" sz="1600" dirty="0"/>
                         <a:t>€0,0203  /</a:t>
                       </a:r>
                       <a:r>
-                        <a:rPr lang="de-DE" sz="1600" baseline="0" dirty="0" smtClean="0"/>
+                        <a:rPr lang="de-DE" sz="1600" baseline="0" dirty="0"/>
                         <a:t> </a:t>
                       </a:r>
                       <a:r>
-                        <a:rPr lang="de-DE" sz="1600" dirty="0" smtClean="0"/>
+                        <a:rPr lang="de-DE" sz="1600" dirty="0"/>
                         <a:t>GB /</a:t>
                       </a:r>
                       <a:r>
-                        <a:rPr lang="de-DE" sz="1600" baseline="0" dirty="0" smtClean="0"/>
+                        <a:rPr lang="de-DE" sz="1600" baseline="0" dirty="0"/>
                         <a:t> Monat</a:t>
                       </a:r>
                       <a:endParaRPr lang="de-DE" sz="1600" dirty="0"/>
@@ -19613,13 +19102,13 @@
                     <a:lstStyle/>
                     <a:p>
                       <a:r>
-                        <a:rPr lang="de-DE" sz="1600" dirty="0" smtClean="0"/>
+                        <a:rPr lang="de-DE" sz="1600" dirty="0"/>
                         <a:t>€0,6929</a:t>
                       </a:r>
                     </a:p>
                     <a:p>
                       <a:r>
-                        <a:rPr lang="de-DE" sz="1600" dirty="0" smtClean="0"/>
+                        <a:rPr lang="de-DE" sz="1600" dirty="0"/>
                         <a:t>(€20,7872 / Monat)</a:t>
                       </a:r>
                     </a:p>
@@ -19639,10 +19128,9 @@
                     <a:lstStyle/>
                     <a:p>
                       <a:r>
-                        <a:rPr lang="de-DE" sz="1600" dirty="0" smtClean="0"/>
+                        <a:rPr lang="de-DE" sz="1600" dirty="0"/>
                         <a:t>Speichertransaktionen</a:t>
                       </a:r>
-                      <a:endParaRPr lang="de-DE" sz="1600" dirty="0"/>
                     </a:p>
                   </a:txBody>
                   <a:tcPr marL="93260" marR="93260" marT="46630" marB="46630"/>
@@ -19653,18 +19141,17 @@
                     <a:lstStyle/>
                     <a:p>
                       <a:r>
-                        <a:rPr lang="de-DE" sz="1600" dirty="0" smtClean="0"/>
+                        <a:rPr lang="de-DE" sz="1600" dirty="0"/>
                         <a:t>Bis</a:t>
                       </a:r>
                       <a:r>
-                        <a:rPr lang="de-DE" sz="1600" baseline="0" dirty="0" smtClean="0"/>
+                        <a:rPr lang="de-DE" sz="1600" baseline="0" dirty="0"/>
                         <a:t> </a:t>
                       </a:r>
                       <a:r>
-                        <a:rPr lang="de-DE" sz="1600" dirty="0" smtClean="0"/>
+                        <a:rPr lang="de-DE" sz="1600" dirty="0"/>
                         <a:t>1.000.000 Transaktionen</a:t>
                       </a:r>
-                      <a:endParaRPr lang="de-DE" sz="1600" dirty="0"/>
                     </a:p>
                   </a:txBody>
                   <a:tcPr marL="93260" marR="93260" marT="46630" marB="46630"/>
@@ -19675,10 +19162,9 @@
                     <a:lstStyle/>
                     <a:p>
                       <a:r>
-                        <a:rPr lang="de-DE" sz="1600" dirty="0" smtClean="0"/>
+                        <a:rPr lang="de-DE" sz="1600" dirty="0"/>
                         <a:t>€0,004 / 100.000 Transaktionen</a:t>
                       </a:r>
-                      <a:endParaRPr lang="de-DE" sz="1600" dirty="0"/>
                     </a:p>
                   </a:txBody>
                   <a:tcPr marL="93260" marR="93260" marT="46630" marB="46630"/>
@@ -19689,7 +19175,7 @@
                     <a:lstStyle/>
                     <a:p>
                       <a:r>
-                        <a:rPr lang="de-DE" sz="1600" dirty="0" smtClean="0"/>
+                        <a:rPr lang="de-DE" sz="1600" dirty="0"/>
                         <a:t>€0,04</a:t>
                       </a:r>
                     </a:p>
@@ -19709,8 +19195,25 @@
                     <a:lstStyle/>
                     <a:p>
                       <a:r>
-                        <a:rPr lang="de-DE" sz="1600" dirty="0" smtClean="0"/>
+                        <a:rPr lang="de-DE" sz="1600" dirty="0"/>
                         <a:t>Traffic</a:t>
+                      </a:r>
+                    </a:p>
+                  </a:txBody>
+                  <a:tcPr marL="93260" marR="93260" marT="46630" marB="46630"/>
+                </a:tc>
+                <a:tc>
+                  <a:txBody>
+                    <a:bodyPr/>
+                    <a:lstStyle/>
+                    <a:p>
+                      <a:r>
+                        <a:rPr lang="de-DE" sz="1600" dirty="0"/>
+                        <a:t>100</a:t>
+                      </a:r>
+                      <a:r>
+                        <a:rPr lang="de-DE" sz="1600" baseline="0" dirty="0"/>
+                        <a:t> GB</a:t>
                       </a:r>
                       <a:endParaRPr lang="de-DE" sz="1600" dirty="0"/>
                     </a:p>
@@ -19723,31 +19226,17 @@
                     <a:lstStyle/>
                     <a:p>
                       <a:r>
-                        <a:rPr lang="de-DE" sz="1600" dirty="0" smtClean="0"/>
-                        <a:t>1 TB</a:t>
-                      </a:r>
-                      <a:endParaRPr lang="de-DE" sz="1600" dirty="0"/>
-                    </a:p>
-                  </a:txBody>
-                  <a:tcPr marL="93260" marR="93260" marT="46630" marB="46630"/>
-                </a:tc>
-                <a:tc>
-                  <a:txBody>
-                    <a:bodyPr/>
-                    <a:lstStyle/>
-                    <a:p>
-                      <a:r>
-                        <a:rPr lang="de-DE" sz="1600" dirty="0" smtClean="0"/>
+                        <a:rPr lang="de-DE" sz="1600" dirty="0"/>
                         <a:t>€0,0734 / GB </a:t>
                       </a:r>
                     </a:p>
                     <a:p>
                       <a:r>
-                        <a:rPr lang="de-DE" sz="1600" dirty="0" smtClean="0"/>
+                        <a:rPr lang="de-DE" sz="1600" dirty="0"/>
                         <a:t>(Preisstufe</a:t>
                       </a:r>
                       <a:r>
-                        <a:rPr lang="de-DE" sz="1600" baseline="0" dirty="0" smtClean="0"/>
+                        <a:rPr lang="de-DE" sz="1600" baseline="0" dirty="0"/>
                         <a:t> bis 10 TB)</a:t>
                       </a:r>
                       <a:endParaRPr lang="de-DE" sz="1600" dirty="0"/>
@@ -19761,8 +19250,8 @@
                     <a:lstStyle/>
                     <a:p>
                       <a:r>
-                        <a:rPr lang="de-DE" sz="1600" dirty="0" smtClean="0"/>
-                        <a:t>€75,1616</a:t>
+                        <a:rPr lang="de-DE" sz="1600" dirty="0"/>
+                        <a:t>€7,34</a:t>
                       </a:r>
                     </a:p>
                   </a:txBody>
@@ -19781,10 +19270,9 @@
                     <a:lstStyle/>
                     <a:p>
                       <a:r>
-                        <a:rPr lang="de-DE" sz="1600" b="1" dirty="0" smtClean="0"/>
+                        <a:rPr lang="de-DE" sz="1600" b="1" dirty="0"/>
                         <a:t>Summe</a:t>
                       </a:r>
-                      <a:endParaRPr lang="de-DE" sz="1600" b="1" dirty="0"/>
                     </a:p>
                   </a:txBody>
                   <a:tcPr marL="93260" marR="93260" marT="46630" marB="46630"/>
@@ -19815,20 +19303,24 @@
                     <a:lstStyle/>
                     <a:p>
                       <a:r>
-                        <a:rPr lang="de-DE" sz="1600" b="1" dirty="0" smtClean="0"/>
-                        <a:t>€89,06</a:t>
+                        <a:rPr lang="de-DE" sz="1600" b="1" dirty="0"/>
+                        <a:t>€21,2393</a:t>
                       </a:r>
                     </a:p>
                     <a:p>
                       <a:r>
-                        <a:rPr lang="de-DE" sz="1600" b="1" dirty="0" smtClean="0"/>
-                        <a:t>(€2.671,827 /</a:t>
+                        <a:rPr lang="de-DE" sz="1600" b="1"/>
+                        <a:t>(€637,179 </a:t>
                       </a:r>
                       <a:r>
-                        <a:rPr lang="de-DE" sz="1600" b="1" baseline="0" dirty="0" smtClean="0"/>
+                        <a:rPr lang="de-DE" sz="1600" b="1" dirty="0"/>
+                        <a:t>/</a:t>
+                      </a:r>
+                      <a:r>
+                        <a:rPr lang="de-DE" sz="1600" b="1" baseline="0" dirty="0"/>
                         <a:t> 30 Tage)</a:t>
                       </a:r>
-                      <a:endParaRPr lang="de-DE" sz="1600" b="1" dirty="0" smtClean="0"/>
+                      <a:endParaRPr lang="de-DE" sz="1600" b="1" dirty="0"/>
                     </a:p>
                   </a:txBody>
                   <a:tcPr marL="93260" marR="93260" marT="46630" marB="46630"/>
@@ -19853,21 +19345,6 @@
   <p:clrMapOvr>
     <a:masterClrMapping/>
   </p:clrMapOvr>
-  <mc:AlternateContent xmlns:mc="http://schemas.openxmlformats.org/markup-compatibility/2006" xmlns:p14="http://schemas.microsoft.com/office/powerpoint/2010/main">
-    <mc:Choice Requires="p14">
-      <p:transition spd="slow" p14:dur="2000"/>
-    </mc:Choice>
-    <mc:Fallback xmlns="">
-      <p:transition spd="slow"/>
-    </mc:Fallback>
-  </mc:AlternateContent>
-  <p:timing>
-    <p:tnLst>
-      <p:par>
-        <p:cTn id="1" dur="indefinite" restart="never" nodeType="tmRoot"/>
-      </p:par>
-    </p:tnLst>
-  </p:timing>
 </p:sld>
 </file>
 
@@ -19909,16 +19386,12 @@
           <a:lstStyle/>
           <a:p>
             <a:r>
-              <a:rPr lang="de-DE" sz="4080" dirty="0" smtClean="0"/>
+              <a:rPr lang="de-DE" sz="4080" dirty="0"/>
               <a:t>Azure Backup (PAYG) </a:t>
             </a:r>
             <a:r>
               <a:rPr lang="de-DE" sz="2040" dirty="0"/>
-              <a:t>(Stand </a:t>
-            </a:r>
-            <a:r>
-              <a:rPr lang="de-DE" sz="2040" dirty="0" smtClean="0"/>
-              <a:t>20.10.2015)</a:t>
+              <a:t>(Stand 20.10.2015)</a:t>
             </a:r>
             <a:endParaRPr lang="de-DE" sz="4080" dirty="0"/>
           </a:p>
@@ -19986,10 +19459,9 @@
                     <a:lstStyle/>
                     <a:p>
                       <a:r>
-                        <a:rPr lang="de-DE" sz="1600" dirty="0" smtClean="0"/>
+                        <a:rPr lang="de-DE" sz="1600" dirty="0"/>
                         <a:t>Komponente</a:t>
                       </a:r>
-                      <a:endParaRPr lang="de-DE" sz="1600" dirty="0"/>
                     </a:p>
                   </a:txBody>
                   <a:tcPr marL="93260" marR="93260" marT="46630" marB="46630"/>
@@ -20000,10 +19472,9 @@
                     <a:lstStyle/>
                     <a:p>
                       <a:r>
-                        <a:rPr lang="de-DE" sz="1600" dirty="0" smtClean="0"/>
+                        <a:rPr lang="de-DE" sz="1600" dirty="0"/>
                         <a:t>Menge</a:t>
                       </a:r>
-                      <a:endParaRPr lang="de-DE" sz="1600" dirty="0"/>
                     </a:p>
                   </a:txBody>
                   <a:tcPr marL="93260" marR="93260" marT="46630" marB="46630"/>
@@ -20014,10 +19485,9 @@
                     <a:lstStyle/>
                     <a:p>
                       <a:r>
-                        <a:rPr lang="de-DE" sz="1600" dirty="0" smtClean="0"/>
+                        <a:rPr lang="de-DE" sz="1600" dirty="0"/>
                         <a:t>Kosten</a:t>
                       </a:r>
-                      <a:endParaRPr lang="de-DE" sz="1600" dirty="0"/>
                     </a:p>
                   </a:txBody>
                   <a:tcPr marL="93260" marR="93260" marT="46630" marB="46630"/>
@@ -20028,11 +19498,11 @@
                     <a:lstStyle/>
                     <a:p>
                       <a:r>
-                        <a:rPr lang="de-DE" sz="1600" dirty="0" smtClean="0"/>
+                        <a:rPr lang="de-DE" sz="1600" dirty="0"/>
                         <a:t>Kosten</a:t>
                       </a:r>
                       <a:r>
-                        <a:rPr lang="de-DE" sz="1600" baseline="0" dirty="0" smtClean="0"/>
+                        <a:rPr lang="de-DE" sz="1600" baseline="0" dirty="0"/>
                         <a:t> / Monat</a:t>
                       </a:r>
                       <a:endParaRPr lang="de-DE" sz="1600" dirty="0"/>
@@ -20053,11 +19523,11 @@
                     <a:lstStyle/>
                     <a:p>
                       <a:r>
-                        <a:rPr lang="de-DE" sz="1600" dirty="0" smtClean="0"/>
+                        <a:rPr lang="de-DE" sz="1600" dirty="0"/>
                         <a:t>Geschützte</a:t>
                       </a:r>
                       <a:r>
-                        <a:rPr lang="de-DE" sz="1600" baseline="0" dirty="0" smtClean="0"/>
+                        <a:rPr lang="de-DE" sz="1600" baseline="0" dirty="0"/>
                         <a:t> Instanzen bis 50 GB Daten</a:t>
                       </a:r>
                       <a:endParaRPr lang="de-DE" sz="1600" dirty="0"/>
@@ -20071,7 +19541,7 @@
                     <a:lstStyle/>
                     <a:p>
                       <a:r>
-                        <a:rPr lang="de-DE" sz="1600" dirty="0" smtClean="0"/>
+                        <a:rPr lang="de-DE" sz="1600" dirty="0"/>
                         <a:t>45x 20 GB</a:t>
                       </a:r>
                     </a:p>
@@ -20084,13 +19554,13 @@
                     <a:lstStyle/>
                     <a:p>
                       <a:r>
-                        <a:rPr lang="de-DE" sz="1600" dirty="0" smtClean="0"/>
+                        <a:rPr lang="de-DE" sz="1600" dirty="0"/>
                         <a:t>Instanz:</a:t>
                       </a:r>
                     </a:p>
                     <a:p>
                       <a:r>
-                        <a:rPr lang="de-DE" sz="1600" dirty="0" smtClean="0"/>
+                        <a:rPr lang="de-DE" sz="1600" dirty="0"/>
                         <a:t>€4,2165 / Monat</a:t>
                       </a:r>
                     </a:p>
@@ -20103,10 +19573,9 @@
                     <a:lstStyle/>
                     <a:p>
                       <a:r>
-                        <a:rPr lang="de-DE" sz="1600" dirty="0" smtClean="0"/>
+                        <a:rPr lang="de-DE" sz="1600" dirty="0"/>
                         <a:t>€189,7425</a:t>
                       </a:r>
-                      <a:endParaRPr lang="de-DE" sz="1600" dirty="0"/>
                     </a:p>
                   </a:txBody>
                   <a:tcPr marL="93260" marR="93260" marT="46630" marB="46630"/>
@@ -20144,13 +19613,13 @@
                     <a:lstStyle/>
                     <a:p>
                       <a:r>
-                        <a:rPr lang="de-DE" sz="1600" dirty="0" smtClean="0"/>
+                        <a:rPr lang="de-DE" sz="1600" dirty="0"/>
                         <a:t>Speicher (LRS):</a:t>
                       </a:r>
                     </a:p>
                     <a:p>
                       <a:r>
-                        <a:rPr lang="de-DE" sz="1600" dirty="0" smtClean="0"/>
+                        <a:rPr lang="de-DE" sz="1600" dirty="0"/>
                         <a:t>€0,0203 / GB (Preisstufe bis 1 TB)</a:t>
                       </a:r>
                     </a:p>
@@ -20163,10 +19632,9 @@
                     <a:lstStyle/>
                     <a:p>
                       <a:r>
-                        <a:rPr lang="de-DE" sz="1600" dirty="0" smtClean="0"/>
+                        <a:rPr lang="de-DE" sz="1600" dirty="0"/>
                         <a:t>€18,27</a:t>
                       </a:r>
-                      <a:endParaRPr lang="de-DE" sz="1600" dirty="0"/>
                     </a:p>
                   </a:txBody>
                   <a:tcPr marL="93260" marR="93260" marT="46630" marB="46630"/>
@@ -20201,14 +19669,14 @@
                         <a:defRPr/>
                       </a:pPr>
                       <a:r>
-                        <a:rPr lang="de-DE" sz="1600" dirty="0" smtClean="0"/>
+                        <a:rPr lang="de-DE" sz="1600" dirty="0"/>
                         <a:t>Geschützte</a:t>
                       </a:r>
                       <a:r>
-                        <a:rPr lang="de-DE" sz="1600" baseline="0" dirty="0" smtClean="0"/>
+                        <a:rPr lang="de-DE" sz="1600" baseline="0" dirty="0"/>
                         <a:t> Instanzen zwischen 50 GB und 500 GB Daten</a:t>
                       </a:r>
-                      <a:endParaRPr lang="de-DE" sz="1600" dirty="0" smtClean="0"/>
+                      <a:endParaRPr lang="de-DE" sz="1600" dirty="0"/>
                     </a:p>
                   </a:txBody>
                   <a:tcPr marL="93260" marR="93260" marT="46630" marB="46630"/>
@@ -20219,11 +19687,11 @@
                     <a:lstStyle/>
                     <a:p>
                       <a:r>
-                        <a:rPr lang="de-DE" sz="1600" dirty="0" smtClean="0"/>
+                        <a:rPr lang="de-DE" sz="1600" dirty="0"/>
                         <a:t>5x</a:t>
                       </a:r>
                       <a:r>
-                        <a:rPr lang="de-DE" sz="1600" baseline="0" dirty="0" smtClean="0"/>
+                        <a:rPr lang="de-DE" sz="1600" baseline="0" dirty="0"/>
                         <a:t> 300 GB</a:t>
                       </a:r>
                       <a:endParaRPr lang="de-DE" sz="1600" dirty="0"/>
@@ -20237,13 +19705,13 @@
                     <a:lstStyle/>
                     <a:p>
                       <a:r>
-                        <a:rPr lang="de-DE" sz="1600" dirty="0" smtClean="0"/>
+                        <a:rPr lang="de-DE" sz="1600" dirty="0"/>
                         <a:t>Instanz:</a:t>
                       </a:r>
                     </a:p>
                     <a:p>
                       <a:r>
-                        <a:rPr lang="de-DE" sz="1600" dirty="0" smtClean="0"/>
+                        <a:rPr lang="de-DE" sz="1600" dirty="0"/>
                         <a:t>€8,433 / Monat</a:t>
                       </a:r>
                     </a:p>
@@ -20256,10 +19724,9 @@
                     <a:lstStyle/>
                     <a:p>
                       <a:r>
-                        <a:rPr lang="de-DE" sz="1600" dirty="0" smtClean="0"/>
+                        <a:rPr lang="de-DE" sz="1600" dirty="0"/>
                         <a:t>€42,165</a:t>
                       </a:r>
-                      <a:endParaRPr lang="de-DE" sz="1600" dirty="0"/>
                     </a:p>
                   </a:txBody>
                   <a:tcPr marL="93260" marR="93260" marT="46630" marB="46630"/>
@@ -20297,7 +19764,7 @@
                     <a:lstStyle/>
                     <a:p>
                       <a:r>
-                        <a:rPr lang="de-DE" sz="1600" dirty="0" smtClean="0"/>
+                        <a:rPr lang="de-DE" sz="1600" dirty="0"/>
                         <a:t>Speicher (LRS):</a:t>
                       </a:r>
                     </a:p>
@@ -20320,17 +19787,17 @@
                         <a:defRPr/>
                       </a:pPr>
                       <a:r>
-                        <a:rPr lang="de-DE" sz="1600" dirty="0" smtClean="0"/>
+                        <a:rPr lang="de-DE" sz="1600" dirty="0"/>
                         <a:t>€0,0203 / GB (Preisstufe bis 1 TB)</a:t>
                       </a:r>
                     </a:p>
                     <a:p>
                       <a:r>
-                        <a:rPr lang="de-DE" sz="1600" dirty="0" smtClean="0"/>
+                        <a:rPr lang="de-DE" sz="1600" dirty="0"/>
                         <a:t>€0,02</a:t>
                       </a:r>
                       <a:r>
-                        <a:rPr lang="de-DE" sz="1600" baseline="0" dirty="0" smtClean="0"/>
+                        <a:rPr lang="de-DE" sz="1600" baseline="0" dirty="0"/>
                         <a:t> / GB (Preisstufe bis 50 TB)</a:t>
                       </a:r>
                       <a:endParaRPr lang="de-DE" sz="1600" dirty="0"/>
@@ -20344,19 +19811,19 @@
                     <a:lstStyle/>
                     <a:p>
                       <a:r>
-                        <a:rPr lang="de-DE" sz="1600" dirty="0" smtClean="0"/>
+                        <a:rPr lang="de-DE" sz="1600" dirty="0"/>
                         <a:t>€20,7872</a:t>
                       </a:r>
                     </a:p>
                     <a:p>
                       <a:r>
-                        <a:rPr lang="de-DE" sz="1600" dirty="0" smtClean="0"/>
+                        <a:rPr lang="de-DE" sz="1600" dirty="0"/>
                         <a:t>+ €9,52</a:t>
                       </a:r>
                     </a:p>
                     <a:p>
                       <a:r>
-                        <a:rPr lang="de-DE" sz="1600" dirty="0" smtClean="0"/>
+                        <a:rPr lang="de-DE" sz="1600" dirty="0"/>
                         <a:t>= €30,3072</a:t>
                       </a:r>
                     </a:p>
@@ -20393,26 +19860,12 @@
                         <a:defRPr/>
                       </a:pPr>
                       <a:r>
-                        <a:rPr lang="de-DE" sz="1600" dirty="0" smtClean="0"/>
+                        <a:rPr lang="de-DE" sz="1600" dirty="0"/>
                         <a:t>Geschützte</a:t>
                       </a:r>
                       <a:r>
-                        <a:rPr lang="de-DE" sz="1600" baseline="0" dirty="0" smtClean="0"/>
+                        <a:rPr lang="de-DE" sz="1600" baseline="0" dirty="0"/>
                         <a:t> Instanzen größer als 500 GB Daten</a:t>
-                      </a:r>
-                      <a:endParaRPr lang="de-DE" sz="1600" dirty="0" smtClean="0"/>
-                    </a:p>
-                  </a:txBody>
-                  <a:tcPr marL="93260" marR="93260" marT="46630" marB="46630"/>
-                </a:tc>
-                <a:tc>
-                  <a:txBody>
-                    <a:bodyPr/>
-                    <a:lstStyle/>
-                    <a:p>
-                      <a:r>
-                        <a:rPr lang="de-DE" sz="1600" dirty="0" smtClean="0"/>
-                        <a:t>1x 2 TB</a:t>
                       </a:r>
                       <a:endParaRPr lang="de-DE" sz="1600" dirty="0"/>
                     </a:p>
@@ -20425,16 +19878,9 @@
                     <a:lstStyle/>
                     <a:p>
                       <a:r>
-                        <a:rPr lang="de-DE" sz="1600" dirty="0" smtClean="0"/>
-                        <a:t>Instanz:</a:t>
+                        <a:rPr lang="de-DE" sz="1600" dirty="0"/>
+                        <a:t>1x 2 TB</a:t>
                       </a:r>
-                    </a:p>
-                    <a:p>
-                      <a:r>
-                        <a:rPr lang="de-DE" sz="1600" dirty="0" smtClean="0"/>
-                        <a:t>€8,433 / Monat</a:t>
-                      </a:r>
-                      <a:endParaRPr lang="de-DE" sz="1600" dirty="0"/>
                     </a:p>
                   </a:txBody>
                   <a:tcPr marL="93260" marR="93260" marT="46630" marB="46630"/>
@@ -20445,7 +19891,26 @@
                     <a:lstStyle/>
                     <a:p>
                       <a:r>
-                        <a:rPr lang="de-DE" sz="1600" dirty="0" smtClean="0"/>
+                        <a:rPr lang="de-DE" sz="1600" dirty="0"/>
+                        <a:t>Instanz:</a:t>
+                      </a:r>
+                    </a:p>
+                    <a:p>
+                      <a:r>
+                        <a:rPr lang="de-DE" sz="1600" dirty="0"/>
+                        <a:t>€8,433 / Monat</a:t>
+                      </a:r>
+                    </a:p>
+                  </a:txBody>
+                  <a:tcPr marL="93260" marR="93260" marT="46630" marB="46630"/>
+                </a:tc>
+                <a:tc>
+                  <a:txBody>
+                    <a:bodyPr/>
+                    <a:lstStyle/>
+                    <a:p>
+                      <a:r>
+                        <a:rPr lang="de-DE" sz="1600" dirty="0"/>
                         <a:t>€33,732</a:t>
                       </a:r>
                     </a:p>
@@ -20485,7 +19950,7 @@
                     <a:lstStyle/>
                     <a:p>
                       <a:r>
-                        <a:rPr lang="de-DE" sz="1600" dirty="0" smtClean="0"/>
+                        <a:rPr lang="de-DE" sz="1600" dirty="0"/>
                         <a:t>Speicher (GRS):</a:t>
                       </a:r>
                     </a:p>
@@ -20508,16 +19973,16 @@
                         <a:defRPr/>
                       </a:pPr>
                       <a:r>
-                        <a:rPr lang="de-DE" sz="1600" dirty="0" smtClean="0"/>
+                        <a:rPr lang="de-DE" sz="1600" dirty="0"/>
                         <a:t>€0,0405 / GB (Preisstufe bis 1 TB)</a:t>
                       </a:r>
                     </a:p>
                     <a:p>
                       <a:r>
-                        <a:rPr lang="de-DE" sz="1600" baseline="0" dirty="0" smtClean="0"/>
+                        <a:rPr lang="de-DE" sz="1600" baseline="0" dirty="0"/>
                         <a:t>€0,0399 / GB (Preisstufe bis 50 TB)</a:t>
                       </a:r>
-                      <a:endParaRPr lang="de-DE" sz="1600" dirty="0" smtClean="0"/>
+                      <a:endParaRPr lang="de-DE" sz="1600" dirty="0"/>
                     </a:p>
                   </a:txBody>
                   <a:tcPr marL="93260" marR="93260" marT="46630" marB="46630"/>
@@ -20528,19 +19993,19 @@
                     <a:lstStyle/>
                     <a:p>
                       <a:r>
-                        <a:rPr lang="de-DE" sz="1600" dirty="0" smtClean="0"/>
+                        <a:rPr lang="de-DE" sz="1600" dirty="0"/>
                         <a:t>€41,472</a:t>
                       </a:r>
                     </a:p>
                     <a:p>
                       <a:r>
-                        <a:rPr lang="de-DE" sz="1600" dirty="0" smtClean="0"/>
+                        <a:rPr lang="de-DE" sz="1600" dirty="0"/>
                         <a:t>+ €40,8576</a:t>
                       </a:r>
                     </a:p>
                     <a:p>
                       <a:r>
-                        <a:rPr lang="de-DE" sz="1600" dirty="0" smtClean="0"/>
+                        <a:rPr lang="de-DE" sz="1600" dirty="0"/>
                         <a:t>= 82,7152</a:t>
                       </a:r>
                     </a:p>
@@ -20560,10 +20025,9 @@
                     <a:lstStyle/>
                     <a:p>
                       <a:r>
-                        <a:rPr lang="de-DE" sz="1600" dirty="0" smtClean="0"/>
+                        <a:rPr lang="de-DE" sz="1600" dirty="0"/>
                         <a:t>Traffic</a:t>
                       </a:r>
-                      <a:endParaRPr lang="de-DE" sz="1600" dirty="0"/>
                     </a:p>
                   </a:txBody>
                   <a:tcPr marL="93260" marR="93260" marT="46630" marB="46630"/>
@@ -20574,10 +20038,9 @@
                     <a:lstStyle/>
                     <a:p>
                       <a:r>
-                        <a:rPr lang="de-DE" sz="1600" dirty="0" smtClean="0"/>
+                        <a:rPr lang="de-DE" sz="1600" dirty="0"/>
                         <a:t>Beliebig</a:t>
                       </a:r>
-                      <a:endParaRPr lang="de-DE" sz="1600" dirty="0"/>
                     </a:p>
                   </a:txBody>
                   <a:tcPr marL="93260" marR="93260" marT="46630" marB="46630"/>
@@ -20588,10 +20051,9 @@
                     <a:lstStyle/>
                     <a:p>
                       <a:r>
-                        <a:rPr lang="de-DE" sz="1600" dirty="0" smtClean="0"/>
+                        <a:rPr lang="de-DE" sz="1600" dirty="0"/>
                         <a:t>kostenfrei</a:t>
                       </a:r>
-                      <a:endParaRPr lang="de-DE" sz="1600" dirty="0"/>
                     </a:p>
                   </a:txBody>
                   <a:tcPr marL="93260" marR="93260" marT="46630" marB="46630"/>
@@ -20602,7 +20064,7 @@
                     <a:lstStyle/>
                     <a:p>
                       <a:r>
-                        <a:rPr lang="de-DE" sz="1600" dirty="0" smtClean="0"/>
+                        <a:rPr lang="de-DE" sz="1600" dirty="0"/>
                         <a:t>€0,00</a:t>
                       </a:r>
                     </a:p>
@@ -20622,10 +20084,9 @@
                     <a:lstStyle/>
                     <a:p>
                       <a:r>
-                        <a:rPr lang="de-DE" sz="1600" b="1" dirty="0" smtClean="0"/>
+                        <a:rPr lang="de-DE" sz="1600" b="1" dirty="0"/>
                         <a:t>Summe</a:t>
                       </a:r>
-                      <a:endParaRPr lang="de-DE" sz="1600" b="1" dirty="0"/>
                     </a:p>
                   </a:txBody>
                   <a:tcPr marL="93260" marR="93260" marT="46630" marB="46630"/>
@@ -20636,11 +20097,11 @@
                     <a:lstStyle/>
                     <a:p>
                       <a:r>
-                        <a:rPr lang="de-DE" sz="1600" b="1" dirty="0" smtClean="0"/>
+                        <a:rPr lang="de-DE" sz="1600" b="1" dirty="0"/>
                         <a:t>4,35</a:t>
                       </a:r>
                       <a:r>
-                        <a:rPr lang="de-DE" sz="1600" b="1" baseline="0" dirty="0" smtClean="0"/>
+                        <a:rPr lang="de-DE" sz="1600" b="1" baseline="0" dirty="0"/>
                         <a:t> TB</a:t>
                       </a:r>
                       <a:endParaRPr lang="de-DE" sz="1600" b="1" dirty="0"/>
@@ -20664,7 +20125,7 @@
                     <a:lstStyle/>
                     <a:p>
                       <a:r>
-                        <a:rPr lang="de-DE" sz="1600" b="1" dirty="0" smtClean="0"/>
+                        <a:rPr lang="de-DE" sz="1600" b="1" dirty="0"/>
                         <a:t>€396,9319</a:t>
                       </a:r>
                     </a:p>
@@ -20691,21 +20152,6 @@
   <p:clrMapOvr>
     <a:masterClrMapping/>
   </p:clrMapOvr>
-  <mc:AlternateContent xmlns:mc="http://schemas.openxmlformats.org/markup-compatibility/2006" xmlns:p14="http://schemas.microsoft.com/office/powerpoint/2010/main">
-    <mc:Choice Requires="p14">
-      <p:transition spd="slow" p14:dur="2000"/>
-    </mc:Choice>
-    <mc:Fallback xmlns="">
-      <p:transition spd="slow"/>
-    </mc:Fallback>
-  </mc:AlternateContent>
-  <p:timing>
-    <p:tnLst>
-      <p:par>
-        <p:cTn id="1" dur="indefinite" restart="never" nodeType="tmRoot"/>
-      </p:par>
-    </p:tnLst>
-  </p:timing>
 </p:sld>
 </file>
 
@@ -20742,10 +20188,9 @@
           <a:lstStyle/>
           <a:p>
             <a:r>
-              <a:rPr lang="de-DE" dirty="0" smtClean="0"/>
+              <a:rPr lang="de-DE" dirty="0"/>
               <a:t>Fragen zur Sicherheit</a:t>
             </a:r>
-            <a:endParaRPr lang="de-DE" dirty="0"/>
           </a:p>
         </p:txBody>
       </p:sp>
@@ -20768,13 +20213,13 @@
               <a:buNone/>
             </a:pPr>
             <a:r>
-              <a:rPr lang="de-DE" dirty="0" smtClean="0"/>
+              <a:rPr lang="de-DE" dirty="0"/>
               <a:t>Fokus:</a:t>
             </a:r>
           </a:p>
           <a:p>
             <a:r>
-              <a:rPr lang="de-DE" dirty="0" smtClean="0"/>
+              <a:rPr lang="de-DE" dirty="0"/>
               <a:t>Datensicherheit</a:t>
             </a:r>
           </a:p>
@@ -20782,30 +20227,29 @@
             <a:pPr marL="0" indent="0">
               <a:buNone/>
             </a:pPr>
-            <a:endParaRPr lang="de-DE" smtClean="0"/>
+            <a:endParaRPr lang="de-DE"/>
           </a:p>
           <a:p>
             <a:pPr marL="0" indent="0">
               <a:buNone/>
             </a:pPr>
             <a:r>
-              <a:rPr lang="de-DE" smtClean="0"/>
+              <a:rPr lang="de-DE"/>
               <a:t>Angerissen:</a:t>
             </a:r>
-            <a:endParaRPr lang="de-DE" dirty="0" smtClean="0"/>
+            <a:endParaRPr lang="de-DE" dirty="0"/>
           </a:p>
           <a:p>
             <a:r>
-              <a:rPr lang="de-DE" dirty="0" smtClean="0"/>
+              <a:rPr lang="de-DE" dirty="0"/>
               <a:t>Datenschutz</a:t>
             </a:r>
           </a:p>
           <a:p>
             <a:r>
-              <a:rPr lang="de-DE" dirty="0" smtClean="0"/>
+              <a:rPr lang="de-DE" dirty="0"/>
               <a:t>Compliance</a:t>
             </a:r>
-            <a:endParaRPr lang="de-DE" dirty="0" smtClean="0"/>
           </a:p>
         </p:txBody>
       </p:sp>
@@ -21638,67 +21082,6 @@
 </file>
 
 <file path=customXml/item1.xml><?xml version="1.0" encoding="utf-8"?>
-<?mso-contentType ?>
-<spe:Receivers xmlns:spe="http://schemas.microsoft.com/sharepoint/events">
-  <Receiver>
-    <Name>Document ID Generator</Name>
-    <Synchronization>Synchronous</Synchronization>
-    <Type>10001</Type>
-    <SequenceNumber>1000</SequenceNumber>
-    <Assembly>Microsoft.Office.DocumentManagement, Version=14.0.0.0, Culture=neutral, PublicKeyToken=71e9bce111e9429c</Assembly>
-    <Class>Microsoft.Office.DocumentManagement.Internal.DocIdHandler</Class>
-    <Data/>
-    <Filter/>
-  </Receiver>
-  <Receiver>
-    <Name>Document ID Generator</Name>
-    <Synchronization>Synchronous</Synchronization>
-    <Type>10002</Type>
-    <SequenceNumber>1001</SequenceNumber>
-    <Assembly>Microsoft.Office.DocumentManagement, Version=14.0.0.0, Culture=neutral, PublicKeyToken=71e9bce111e9429c</Assembly>
-    <Class>Microsoft.Office.DocumentManagement.Internal.DocIdHandler</Class>
-    <Data/>
-    <Filter/>
-  </Receiver>
-  <Receiver>
-    <Name>Document ID Generator</Name>
-    <Synchronization>Synchronous</Synchronization>
-    <Type>10004</Type>
-    <SequenceNumber>1002</SequenceNumber>
-    <Assembly>Microsoft.Office.DocumentManagement, Version=14.0.0.0, Culture=neutral, PublicKeyToken=71e9bce111e9429c</Assembly>
-    <Class>Microsoft.Office.DocumentManagement.Internal.DocIdHandler</Class>
-    <Data/>
-    <Filter/>
-  </Receiver>
-  <Receiver>
-    <Name>Document ID Generator</Name>
-    <Synchronization>Synchronous</Synchronization>
-    <Type>10006</Type>
-    <SequenceNumber>1003</SequenceNumber>
-    <Assembly>Microsoft.Office.DocumentManagement, Version=14.0.0.0, Culture=neutral, PublicKeyToken=71e9bce111e9429c</Assembly>
-    <Class>Microsoft.Office.DocumentManagement.Internal.DocIdHandler</Class>
-    <Data/>
-    <Filter/>
-  </Receiver>
-  <Receiver>
-    <Name>Document ID Generator</Name>
-    <Synchronization>Synchronous</Synchronization>
-    <Type>10009</Type>
-    <SequenceNumber>1004</SequenceNumber>
-    <Assembly>Microsoft.Office.DocumentManagement, Version=14.0.0.0, Culture=neutral, PublicKeyToken=71e9bce111e9429c</Assembly>
-    <Class>Microsoft.Office.DocumentManagement.Internal.DocIdHandler</Class>
-    <Data/>
-    <Filter/>
-  </Receiver>
-</spe:Receivers>
-</file>
-
-<file path=customXml/item2.xml><?xml version="1.0" encoding="utf-8"?>
-<?mso-contentType ?>
-<SharedContentType xmlns="Microsoft.SharePoint.Taxonomy.ContentTypeSync" SourceId="e385fb40-52d4-4fae-9c5b-3e8ff8a5878e" ContentTypeId="0x010100FF1FAB0DEDE9AF4ABA57B67AF4A9F321" PreviousValue="false"/>
-</file>
-
-<file path=customXml/item3.xml><?xml version="1.0" encoding="utf-8"?>
 <ct:contentTypeSchema xmlns:ct="http://schemas.microsoft.com/office/2006/metadata/contentType" xmlns:ma="http://schemas.microsoft.com/office/2006/metadata/properties/metaAttributes" ct:_="" ma:_="" ma:contentTypeName="KCDoc" ma:contentTypeID="0x010100FF1FAB0DEDE9AF4ABA57B67AF4A9F3210200596A0E07C3E77448942F9A5D1E81E582" ma:contentTypeVersion="77" ma:contentTypeDescription="" ma:contentTypeScope="" ma:versionID="97f91f319da502963c66db7bd9bafa24">
   <xsd:schema xmlns:xsd="http://www.w3.org/2001/XMLSchema" xmlns:xs="http://www.w3.org/2001/XMLSchema" xmlns:p="http://schemas.microsoft.com/office/2006/metadata/properties" xmlns:ns1="http://schemas.microsoft.com/sharepoint/v3" xmlns:ns2="4e240d41-6d38-4eac-9584-b3f543b50010" xmlns:ns3="230e9df3-be65-4c73-a93b-d1236ebd677e" xmlns:ns4="7b813d5f-7206-4d46-95a5-a58185f478af" xmlns:ns5="http://schemas.microsoft.com/sharepoint/v4" targetNamespace="http://schemas.microsoft.com/office/2006/metadata/properties" ma:root="true" ma:fieldsID="36d8d8ec0295720aab47118a50085ece" ns1:_="" ns2:_="" ns3:_="" ns4:_="" ns5:_="">
     <xsd:import namespace="http://schemas.microsoft.com/sharepoint/v3"/>
@@ -22193,7 +21576,77 @@
 </ct:contentTypeSchema>
 </file>
 
+<file path=customXml/item2.xml><?xml version="1.0" encoding="utf-8"?>
+<?mso-contentType ?>
+<SharedContentType xmlns="Microsoft.SharePoint.Taxonomy.ContentTypeSync" SourceId="e385fb40-52d4-4fae-9c5b-3e8ff8a5878e" ContentTypeId="0x010100FF1FAB0DEDE9AF4ABA57B67AF4A9F321" PreviousValue="false"/>
+</file>
+
+<file path=customXml/item3.xml><?xml version="1.0" encoding="utf-8"?>
+<?mso-contentType ?>
+<spe:Receivers xmlns:spe="http://schemas.microsoft.com/sharepoint/events">
+  <Receiver>
+    <Name>Document ID Generator</Name>
+    <Synchronization>Synchronous</Synchronization>
+    <Type>10001</Type>
+    <SequenceNumber>1000</SequenceNumber>
+    <Assembly>Microsoft.Office.DocumentManagement, Version=14.0.0.0, Culture=neutral, PublicKeyToken=71e9bce111e9429c</Assembly>
+    <Class>Microsoft.Office.DocumentManagement.Internal.DocIdHandler</Class>
+    <Data/>
+    <Filter/>
+  </Receiver>
+  <Receiver>
+    <Name>Document ID Generator</Name>
+    <Synchronization>Synchronous</Synchronization>
+    <Type>10002</Type>
+    <SequenceNumber>1001</SequenceNumber>
+    <Assembly>Microsoft.Office.DocumentManagement, Version=14.0.0.0, Culture=neutral, PublicKeyToken=71e9bce111e9429c</Assembly>
+    <Class>Microsoft.Office.DocumentManagement.Internal.DocIdHandler</Class>
+    <Data/>
+    <Filter/>
+  </Receiver>
+  <Receiver>
+    <Name>Document ID Generator</Name>
+    <Synchronization>Synchronous</Synchronization>
+    <Type>10004</Type>
+    <SequenceNumber>1002</SequenceNumber>
+    <Assembly>Microsoft.Office.DocumentManagement, Version=14.0.0.0, Culture=neutral, PublicKeyToken=71e9bce111e9429c</Assembly>
+    <Class>Microsoft.Office.DocumentManagement.Internal.DocIdHandler</Class>
+    <Data/>
+    <Filter/>
+  </Receiver>
+  <Receiver>
+    <Name>Document ID Generator</Name>
+    <Synchronization>Synchronous</Synchronization>
+    <Type>10006</Type>
+    <SequenceNumber>1003</SequenceNumber>
+    <Assembly>Microsoft.Office.DocumentManagement, Version=14.0.0.0, Culture=neutral, PublicKeyToken=71e9bce111e9429c</Assembly>
+    <Class>Microsoft.Office.DocumentManagement.Internal.DocIdHandler</Class>
+    <Data/>
+    <Filter/>
+  </Receiver>
+  <Receiver>
+    <Name>Document ID Generator</Name>
+    <Synchronization>Synchronous</Synchronization>
+    <Type>10009</Type>
+    <SequenceNumber>1004</SequenceNumber>
+    <Assembly>Microsoft.Office.DocumentManagement, Version=14.0.0.0, Culture=neutral, PublicKeyToken=71e9bce111e9429c</Assembly>
+    <Class>Microsoft.Office.DocumentManagement.Internal.DocIdHandler</Class>
+    <Data/>
+    <Filter/>
+  </Receiver>
+</spe:Receivers>
+</file>
+
 <file path=customXml/item4.xml><?xml version="1.0" encoding="utf-8"?>
+<?mso-contentType ?>
+<FormTemplates xmlns="http://schemas.microsoft.com/sharepoint/v3/contenttype/forms">
+  <Display>DocumentLibraryForm</Display>
+  <Edit>DocumentLibraryForm</Edit>
+  <New>DocumentLibraryForm</New>
+</FormTemplates>
+</file>
+
+<file path=customXml/item5.xml><?xml version="1.0" encoding="utf-8"?>
 <p:properties xmlns:p="http://schemas.microsoft.com/office/2006/metadata/properties" xmlns:xsi="http://www.w3.org/2001/XMLSchema-instance" xmlns:pc="http://schemas.microsoft.com/office/infopath/2007/PartnerControls">
   <documentManagement>
     <DocumentDescription xmlns="4e240d41-6d38-4eac-9584-b3f543b50010">Use this deck as the main EBC and Azure Overview deck.  Customize the deck as needed (additional slides in the appendix).  This deck should be delivered with the supporting demo’s and is scoped at the decision makers within IT.</DocumentDescription>
@@ -22467,32 +21920,7 @@
 </p:properties>
 </file>
 
-<file path=customXml/item5.xml><?xml version="1.0" encoding="utf-8"?>
-<?mso-contentType ?>
-<FormTemplates xmlns="http://schemas.microsoft.com/sharepoint/v3/contenttype/forms">
-  <Display>DocumentLibraryForm</Display>
-  <Edit>DocumentLibraryForm</Edit>
-  <New>DocumentLibraryForm</New>
-</FormTemplates>
-</file>
-
 <file path=customXml/itemProps1.xml><?xml version="1.0" encoding="utf-8"?>
-<ds:datastoreItem xmlns:ds="http://schemas.openxmlformats.org/officeDocument/2006/customXml" ds:itemID="{E5FD8E07-4E68-4E3F-96BD-4FFA3AC81A1B}">
-  <ds:schemaRefs>
-    <ds:schemaRef ds:uri="http://schemas.microsoft.com/sharepoint/events"/>
-  </ds:schemaRefs>
-</ds:datastoreItem>
-</file>
-
-<file path=customXml/itemProps2.xml><?xml version="1.0" encoding="utf-8"?>
-<ds:datastoreItem xmlns:ds="http://schemas.openxmlformats.org/officeDocument/2006/customXml" ds:itemID="{C12AFFCC-E1DC-4673-B786-3C88E30A3D8E}">
-  <ds:schemaRefs>
-    <ds:schemaRef ds:uri="Microsoft.SharePoint.Taxonomy.ContentTypeSync"/>
-  </ds:schemaRefs>
-</ds:datastoreItem>
-</file>
-
-<file path=customXml/itemProps3.xml><?xml version="1.0" encoding="utf-8"?>
 <ds:datastoreItem xmlns:ds="http://schemas.openxmlformats.org/officeDocument/2006/customXml" ds:itemID="{C11CD21E-5B4D-41AA-8CC9-0207EAA9F12F}">
   <ds:schemaRefs>
     <ds:schemaRef ds:uri="http://schemas.microsoft.com/office/2006/metadata/contentType"/>
@@ -22514,7 +21942,31 @@
 </ds:datastoreItem>
 </file>
 
+<file path=customXml/itemProps2.xml><?xml version="1.0" encoding="utf-8"?>
+<ds:datastoreItem xmlns:ds="http://schemas.openxmlformats.org/officeDocument/2006/customXml" ds:itemID="{C12AFFCC-E1DC-4673-B786-3C88E30A3D8E}">
+  <ds:schemaRefs>
+    <ds:schemaRef ds:uri="Microsoft.SharePoint.Taxonomy.ContentTypeSync"/>
+  </ds:schemaRefs>
+</ds:datastoreItem>
+</file>
+
+<file path=customXml/itemProps3.xml><?xml version="1.0" encoding="utf-8"?>
+<ds:datastoreItem xmlns:ds="http://schemas.openxmlformats.org/officeDocument/2006/customXml" ds:itemID="{E5FD8E07-4E68-4E3F-96BD-4FFA3AC81A1B}">
+  <ds:schemaRefs>
+    <ds:schemaRef ds:uri="http://schemas.microsoft.com/sharepoint/events"/>
+  </ds:schemaRefs>
+</ds:datastoreItem>
+</file>
+
 <file path=customXml/itemProps4.xml><?xml version="1.0" encoding="utf-8"?>
+<ds:datastoreItem xmlns:ds="http://schemas.openxmlformats.org/officeDocument/2006/customXml" ds:itemID="{637CE760-3C25-48EA-9D92-DCD8CAA51C39}">
+  <ds:schemaRefs>
+    <ds:schemaRef ds:uri="http://schemas.microsoft.com/sharepoint/v3/contenttype/forms"/>
+  </ds:schemaRefs>
+</ds:datastoreItem>
+</file>
+
+<file path=customXml/itemProps5.xml><?xml version="1.0" encoding="utf-8"?>
 <ds:datastoreItem xmlns:ds="http://schemas.openxmlformats.org/officeDocument/2006/customXml" ds:itemID="{14D87765-BD76-43B8-A7B8-9DBD5B7B4763}">
   <ds:schemaRefs>
     <ds:schemaRef ds:uri="230e9df3-be65-4c73-a93b-d1236ebd677e"/>
@@ -22532,12 +21984,4 @@
     <ds:schemaRef ds:uri="http://purl.org/dc/dcmitype/"/>
   </ds:schemaRefs>
 </ds:datastoreItem>
-</file>
-
-<file path=customXml/itemProps5.xml><?xml version="1.0" encoding="utf-8"?>
-<ds:datastoreItem xmlns:ds="http://schemas.openxmlformats.org/officeDocument/2006/customXml" ds:itemID="{637CE760-3C25-48EA-9D92-DCD8CAA51C39}">
-  <ds:schemaRefs>
-    <ds:schemaRef ds:uri="http://schemas.microsoft.com/sharepoint/v3/contenttype/forms"/>
-  </ds:schemaRefs>
-</ds:datastoreItem>
 </file>